--- a/Apresentação/Apresentação_Telco.pptx
+++ b/Apresentação/Apresentação_Telco.pptx
@@ -13,13 +13,14 @@
     <p:sldId id="264" r:id="rId7"/>
     <p:sldId id="266" r:id="rId8"/>
     <p:sldId id="259" r:id="rId9"/>
-    <p:sldId id="260" r:id="rId10"/>
-    <p:sldId id="261" r:id="rId11"/>
-    <p:sldId id="268" r:id="rId12"/>
-    <p:sldId id="263" r:id="rId13"/>
-    <p:sldId id="262" r:id="rId14"/>
-    <p:sldId id="267" r:id="rId15"/>
-    <p:sldId id="270" r:id="rId16"/>
+    <p:sldId id="272" r:id="rId10"/>
+    <p:sldId id="260" r:id="rId11"/>
+    <p:sldId id="261" r:id="rId12"/>
+    <p:sldId id="268" r:id="rId13"/>
+    <p:sldId id="263" r:id="rId14"/>
+    <p:sldId id="262" r:id="rId15"/>
+    <p:sldId id="267" r:id="rId16"/>
+    <p:sldId id="270" r:id="rId17"/>
   </p:sldIdLst>
   <p:sldSz cx="12192000" cy="6858000"/>
   <p:notesSz cx="6858000" cy="9144000"/>
@@ -124,361 +125,6 @@
     </p:ext>
   </p:extLst>
 </p:presentation>
-</file>
-
-<file path=ppt/changesInfos/changesInfo1.xml><?xml version="1.0" encoding="utf-8"?>
-<pc:chgInfo xmlns:a="http://schemas.openxmlformats.org/drawingml/2006/main" xmlns:r="http://schemas.openxmlformats.org/officeDocument/2006/relationships" xmlns:ac="http://schemas.microsoft.com/office/drawing/2013/main/command" xmlns:pc="http://schemas.microsoft.com/office/powerpoint/2013/main/command">
-  <pc:docChgLst>
-    <pc:chgData name="Henry David" userId="65d6f86e9a3dad4c" providerId="LiveId" clId="{31AD9838-3394-438C-A5E5-06BBCCAE6F98}"/>
-    <pc:docChg chg="undo custSel addSld modSld sldOrd">
-      <pc:chgData name="Henry David" userId="65d6f86e9a3dad4c" providerId="LiveId" clId="{31AD9838-3394-438C-A5E5-06BBCCAE6F98}" dt="2025-07-29T03:12:00.596" v="119" actId="14100"/>
-      <pc:docMkLst>
-        <pc:docMk/>
-      </pc:docMkLst>
-      <pc:sldChg chg="addSp delSp modSp mod">
-        <pc:chgData name="Henry David" userId="65d6f86e9a3dad4c" providerId="LiveId" clId="{31AD9838-3394-438C-A5E5-06BBCCAE6F98}" dt="2025-07-29T03:12:00.596" v="119" actId="14100"/>
-        <pc:sldMkLst>
-          <pc:docMk/>
-          <pc:sldMk cId="2658313032" sldId="257"/>
-        </pc:sldMkLst>
-        <pc:spChg chg="mod">
-          <ac:chgData name="Henry David" userId="65d6f86e9a3dad4c" providerId="LiveId" clId="{31AD9838-3394-438C-A5E5-06BBCCAE6F98}" dt="2025-07-29T03:11:35.707" v="116" actId="164"/>
-          <ac:spMkLst>
-            <pc:docMk/>
-            <pc:sldMk cId="2658313032" sldId="257"/>
-            <ac:spMk id="3" creationId="{6760A062-0E7A-A02D-70A5-25D93373F891}"/>
-          </ac:spMkLst>
-        </pc:spChg>
-        <pc:spChg chg="mod">
-          <ac:chgData name="Henry David" userId="65d6f86e9a3dad4c" providerId="LiveId" clId="{31AD9838-3394-438C-A5E5-06BBCCAE6F98}" dt="2025-07-29T03:11:42.516" v="117" actId="164"/>
-          <ac:spMkLst>
-            <pc:docMk/>
-            <pc:sldMk cId="2658313032" sldId="257"/>
-            <ac:spMk id="4" creationId="{66FE5C8D-6829-9C8C-0D37-52B3BDD63935}"/>
-          </ac:spMkLst>
-        </pc:spChg>
-        <pc:spChg chg="mod">
-          <ac:chgData name="Henry David" userId="65d6f86e9a3dad4c" providerId="LiveId" clId="{31AD9838-3394-438C-A5E5-06BBCCAE6F98}" dt="2025-07-29T03:11:35.707" v="116" actId="164"/>
-          <ac:spMkLst>
-            <pc:docMk/>
-            <pc:sldMk cId="2658313032" sldId="257"/>
-            <ac:spMk id="5" creationId="{AD125292-52EB-537B-775D-BA65C4563AFA}"/>
-          </ac:spMkLst>
-        </pc:spChg>
-        <pc:spChg chg="mod">
-          <ac:chgData name="Henry David" userId="65d6f86e9a3dad4c" providerId="LiveId" clId="{31AD9838-3394-438C-A5E5-06BBCCAE6F98}" dt="2025-07-29T03:11:42.516" v="117" actId="164"/>
-          <ac:spMkLst>
-            <pc:docMk/>
-            <pc:sldMk cId="2658313032" sldId="257"/>
-            <ac:spMk id="6" creationId="{53BD72B0-423E-5981-FBAD-7F2A6E915A48}"/>
-          </ac:spMkLst>
-        </pc:spChg>
-        <pc:spChg chg="mod">
-          <ac:chgData name="Henry David" userId="65d6f86e9a3dad4c" providerId="LiveId" clId="{31AD9838-3394-438C-A5E5-06BBCCAE6F98}" dt="2025-07-29T03:11:42.516" v="117" actId="164"/>
-          <ac:spMkLst>
-            <pc:docMk/>
-            <pc:sldMk cId="2658313032" sldId="257"/>
-            <ac:spMk id="7" creationId="{A711F645-8243-2694-C389-A1BCD9F064C7}"/>
-          </ac:spMkLst>
-        </pc:spChg>
-        <pc:spChg chg="mod">
-          <ac:chgData name="Henry David" userId="65d6f86e9a3dad4c" providerId="LiveId" clId="{31AD9838-3394-438C-A5E5-06BBCCAE6F98}" dt="2025-07-29T03:11:35.707" v="116" actId="164"/>
-          <ac:spMkLst>
-            <pc:docMk/>
-            <pc:sldMk cId="2658313032" sldId="257"/>
-            <ac:spMk id="8" creationId="{69691598-8924-A89F-1E83-273D22A79E3E}"/>
-          </ac:spMkLst>
-        </pc:spChg>
-        <pc:spChg chg="mod">
-          <ac:chgData name="Henry David" userId="65d6f86e9a3dad4c" providerId="LiveId" clId="{31AD9838-3394-438C-A5E5-06BBCCAE6F98}" dt="2025-07-29T03:11:35.707" v="116" actId="164"/>
-          <ac:spMkLst>
-            <pc:docMk/>
-            <pc:sldMk cId="2658313032" sldId="257"/>
-            <ac:spMk id="9" creationId="{083FE3FE-4073-4DC7-EAEA-FB119B519FCF}"/>
-          </ac:spMkLst>
-        </pc:spChg>
-        <pc:spChg chg="mod">
-          <ac:chgData name="Henry David" userId="65d6f86e9a3dad4c" providerId="LiveId" clId="{31AD9838-3394-438C-A5E5-06BBCCAE6F98}" dt="2025-07-29T03:11:35.707" v="116" actId="164"/>
-          <ac:spMkLst>
-            <pc:docMk/>
-            <pc:sldMk cId="2658313032" sldId="257"/>
-            <ac:spMk id="10" creationId="{916A2781-727E-2794-D6E3-027B00C259C7}"/>
-          </ac:spMkLst>
-        </pc:spChg>
-        <pc:spChg chg="del">
-          <ac:chgData name="Henry David" userId="65d6f86e9a3dad4c" providerId="LiveId" clId="{31AD9838-3394-438C-A5E5-06BBCCAE6F98}" dt="2025-07-29T03:11:00.462" v="112" actId="21"/>
-          <ac:spMkLst>
-            <pc:docMk/>
-            <pc:sldMk cId="2658313032" sldId="257"/>
-            <ac:spMk id="12" creationId="{678B7A98-8ABA-0FB4-1FEB-EC5507E13F1B}"/>
-          </ac:spMkLst>
-        </pc:spChg>
-        <pc:spChg chg="del">
-          <ac:chgData name="Henry David" userId="65d6f86e9a3dad4c" providerId="LiveId" clId="{31AD9838-3394-438C-A5E5-06BBCCAE6F98}" dt="2025-07-29T03:11:00.462" v="112" actId="21"/>
-          <ac:spMkLst>
-            <pc:docMk/>
-            <pc:sldMk cId="2658313032" sldId="257"/>
-            <ac:spMk id="13" creationId="{B331A5E7-6622-AABF-452D-BBC6A6F20C46}"/>
-          </ac:spMkLst>
-        </pc:spChg>
-        <pc:spChg chg="del">
-          <ac:chgData name="Henry David" userId="65d6f86e9a3dad4c" providerId="LiveId" clId="{31AD9838-3394-438C-A5E5-06BBCCAE6F98}" dt="2025-07-29T03:11:00.462" v="112" actId="21"/>
-          <ac:spMkLst>
-            <pc:docMk/>
-            <pc:sldMk cId="2658313032" sldId="257"/>
-            <ac:spMk id="14" creationId="{ACFF541C-3B13-5C5B-D157-F6F05AE570B3}"/>
-          </ac:spMkLst>
-        </pc:spChg>
-        <pc:spChg chg="del">
-          <ac:chgData name="Henry David" userId="65d6f86e9a3dad4c" providerId="LiveId" clId="{31AD9838-3394-438C-A5E5-06BBCCAE6F98}" dt="2025-07-29T03:11:00.462" v="112" actId="21"/>
-          <ac:spMkLst>
-            <pc:docMk/>
-            <pc:sldMk cId="2658313032" sldId="257"/>
-            <ac:spMk id="15" creationId="{3FBC4441-CF72-1135-D1AB-6F0B1B348BA2}"/>
-          </ac:spMkLst>
-        </pc:spChg>
-        <pc:spChg chg="del">
-          <ac:chgData name="Henry David" userId="65d6f86e9a3dad4c" providerId="LiveId" clId="{31AD9838-3394-438C-A5E5-06BBCCAE6F98}" dt="2025-07-29T03:11:00.462" v="112" actId="21"/>
-          <ac:spMkLst>
-            <pc:docMk/>
-            <pc:sldMk cId="2658313032" sldId="257"/>
-            <ac:spMk id="16" creationId="{FA6B9071-8D0F-4A1E-C548-B866E4E610AA}"/>
-          </ac:spMkLst>
-        </pc:spChg>
-        <pc:spChg chg="del">
-          <ac:chgData name="Henry David" userId="65d6f86e9a3dad4c" providerId="LiveId" clId="{31AD9838-3394-438C-A5E5-06BBCCAE6F98}" dt="2025-07-29T03:11:00.462" v="112" actId="21"/>
-          <ac:spMkLst>
-            <pc:docMk/>
-            <pc:sldMk cId="2658313032" sldId="257"/>
-            <ac:spMk id="17" creationId="{29321CFE-E5E8-4C03-DF2F-4736965BA25D}"/>
-          </ac:spMkLst>
-        </pc:spChg>
-        <pc:grpChg chg="add mod">
-          <ac:chgData name="Henry David" userId="65d6f86e9a3dad4c" providerId="LiveId" clId="{31AD9838-3394-438C-A5E5-06BBCCAE6F98}" dt="2025-07-29T03:11:35.707" v="116" actId="164"/>
-          <ac:grpSpMkLst>
-            <pc:docMk/>
-            <pc:sldMk cId="2658313032" sldId="257"/>
-            <ac:grpSpMk id="11" creationId="{B8C02052-5DF4-B26A-3EE5-3407F2A22A3E}"/>
-          </ac:grpSpMkLst>
-        </pc:grpChg>
-        <pc:grpChg chg="add mod">
-          <ac:chgData name="Henry David" userId="65d6f86e9a3dad4c" providerId="LiveId" clId="{31AD9838-3394-438C-A5E5-06BBCCAE6F98}" dt="2025-07-29T03:11:35.707" v="116" actId="164"/>
-          <ac:grpSpMkLst>
-            <pc:docMk/>
-            <pc:sldMk cId="2658313032" sldId="257"/>
-            <ac:grpSpMk id="18" creationId="{D5B13A36-3ACD-12A0-EAF7-EAD93B47E957}"/>
-          </ac:grpSpMkLst>
-        </pc:grpChg>
-        <pc:grpChg chg="add mod">
-          <ac:chgData name="Henry David" userId="65d6f86e9a3dad4c" providerId="LiveId" clId="{31AD9838-3394-438C-A5E5-06BBCCAE6F98}" dt="2025-07-29T03:12:00.596" v="119" actId="14100"/>
-          <ac:grpSpMkLst>
-            <pc:docMk/>
-            <pc:sldMk cId="2658313032" sldId="257"/>
-            <ac:grpSpMk id="19" creationId="{98D1355F-E6E0-2B07-A27C-FD59A5CA8015}"/>
-          </ac:grpSpMkLst>
-        </pc:grpChg>
-      </pc:sldChg>
-      <pc:sldChg chg="modSp mod">
-        <pc:chgData name="Henry David" userId="65d6f86e9a3dad4c" providerId="LiveId" clId="{31AD9838-3394-438C-A5E5-06BBCCAE6F98}" dt="2025-07-29T02:13:44.280" v="0" actId="20577"/>
-        <pc:sldMkLst>
-          <pc:docMk/>
-          <pc:sldMk cId="1715650360" sldId="270"/>
-        </pc:sldMkLst>
-        <pc:spChg chg="mod">
-          <ac:chgData name="Henry David" userId="65d6f86e9a3dad4c" providerId="LiveId" clId="{31AD9838-3394-438C-A5E5-06BBCCAE6F98}" dt="2025-07-29T02:13:44.280" v="0" actId="20577"/>
-          <ac:spMkLst>
-            <pc:docMk/>
-            <pc:sldMk cId="1715650360" sldId="270"/>
-            <ac:spMk id="3" creationId="{54619327-CDD7-6316-EA95-8422B68D5142}"/>
-          </ac:spMkLst>
-        </pc:spChg>
-      </pc:sldChg>
-      <pc:sldChg chg="addSp delSp modSp add mod ord">
-        <pc:chgData name="Henry David" userId="65d6f86e9a3dad4c" providerId="LiveId" clId="{31AD9838-3394-438C-A5E5-06BBCCAE6F98}" dt="2025-07-29T03:10:47.620" v="111" actId="1076"/>
-        <pc:sldMkLst>
-          <pc:docMk/>
-          <pc:sldMk cId="2817005029" sldId="271"/>
-        </pc:sldMkLst>
-        <pc:spChg chg="del">
-          <ac:chgData name="Henry David" userId="65d6f86e9a3dad4c" providerId="LiveId" clId="{31AD9838-3394-438C-A5E5-06BBCCAE6F98}" dt="2025-07-29T03:08:00.640" v="9" actId="21"/>
-          <ac:spMkLst>
-            <pc:docMk/>
-            <pc:sldMk cId="2817005029" sldId="271"/>
-            <ac:spMk id="3" creationId="{6760A062-0E7A-A02D-70A5-25D93373F891}"/>
-          </ac:spMkLst>
-        </pc:spChg>
-        <pc:spChg chg="del">
-          <ac:chgData name="Henry David" userId="65d6f86e9a3dad4c" providerId="LiveId" clId="{31AD9838-3394-438C-A5E5-06BBCCAE6F98}" dt="2025-07-29T03:07:51.819" v="4" actId="21"/>
-          <ac:spMkLst>
-            <pc:docMk/>
-            <pc:sldMk cId="2817005029" sldId="271"/>
-            <ac:spMk id="4" creationId="{66FE5C8D-6829-9C8C-0D37-52B3BDD63935}"/>
-          </ac:spMkLst>
-        </pc:spChg>
-        <pc:spChg chg="del">
-          <ac:chgData name="Henry David" userId="65d6f86e9a3dad4c" providerId="LiveId" clId="{31AD9838-3394-438C-A5E5-06BBCCAE6F98}" dt="2025-07-29T03:08:01.979" v="10" actId="21"/>
-          <ac:spMkLst>
-            <pc:docMk/>
-            <pc:sldMk cId="2817005029" sldId="271"/>
-            <ac:spMk id="5" creationId="{AD125292-52EB-537B-775D-BA65C4563AFA}"/>
-          </ac:spMkLst>
-        </pc:spChg>
-        <pc:spChg chg="del">
-          <ac:chgData name="Henry David" userId="65d6f86e9a3dad4c" providerId="LiveId" clId="{31AD9838-3394-438C-A5E5-06BBCCAE6F98}" dt="2025-07-29T03:07:51.819" v="4" actId="21"/>
-          <ac:spMkLst>
-            <pc:docMk/>
-            <pc:sldMk cId="2817005029" sldId="271"/>
-            <ac:spMk id="6" creationId="{53BD72B0-423E-5981-FBAD-7F2A6E915A48}"/>
-          </ac:spMkLst>
-        </pc:spChg>
-        <pc:spChg chg="del">
-          <ac:chgData name="Henry David" userId="65d6f86e9a3dad4c" providerId="LiveId" clId="{31AD9838-3394-438C-A5E5-06BBCCAE6F98}" dt="2025-07-29T03:07:53.442" v="5" actId="21"/>
-          <ac:spMkLst>
-            <pc:docMk/>
-            <pc:sldMk cId="2817005029" sldId="271"/>
-            <ac:spMk id="7" creationId="{A711F645-8243-2694-C389-A1BCD9F064C7}"/>
-          </ac:spMkLst>
-        </pc:spChg>
-        <pc:spChg chg="del">
-          <ac:chgData name="Henry David" userId="65d6f86e9a3dad4c" providerId="LiveId" clId="{31AD9838-3394-438C-A5E5-06BBCCAE6F98}" dt="2025-07-29T03:07:55.438" v="6" actId="21"/>
-          <ac:spMkLst>
-            <pc:docMk/>
-            <pc:sldMk cId="2817005029" sldId="271"/>
-            <ac:spMk id="8" creationId="{69691598-8924-A89F-1E83-273D22A79E3E}"/>
-          </ac:spMkLst>
-        </pc:spChg>
-        <pc:spChg chg="del">
-          <ac:chgData name="Henry David" userId="65d6f86e9a3dad4c" providerId="LiveId" clId="{31AD9838-3394-438C-A5E5-06BBCCAE6F98}" dt="2025-07-29T03:07:59.491" v="8" actId="21"/>
-          <ac:spMkLst>
-            <pc:docMk/>
-            <pc:sldMk cId="2817005029" sldId="271"/>
-            <ac:spMk id="9" creationId="{083FE3FE-4073-4DC7-EAEA-FB119B519FCF}"/>
-          </ac:spMkLst>
-        </pc:spChg>
-        <pc:spChg chg="del">
-          <ac:chgData name="Henry David" userId="65d6f86e9a3dad4c" providerId="LiveId" clId="{31AD9838-3394-438C-A5E5-06BBCCAE6F98}" dt="2025-07-29T03:07:57.960" v="7" actId="21"/>
-          <ac:spMkLst>
-            <pc:docMk/>
-            <pc:sldMk cId="2817005029" sldId="271"/>
-            <ac:spMk id="10" creationId="{916A2781-727E-2794-D6E3-027B00C259C7}"/>
-          </ac:spMkLst>
-        </pc:spChg>
-        <pc:spChg chg="mod">
-          <ac:chgData name="Henry David" userId="65d6f86e9a3dad4c" providerId="LiveId" clId="{31AD9838-3394-438C-A5E5-06BBCCAE6F98}" dt="2025-07-29T03:08:13.703" v="11" actId="164"/>
-          <ac:spMkLst>
-            <pc:docMk/>
-            <pc:sldMk cId="2817005029" sldId="271"/>
-            <ac:spMk id="12" creationId="{678B7A98-8ABA-0FB4-1FEB-EC5507E13F1B}"/>
-          </ac:spMkLst>
-        </pc:spChg>
-        <pc:spChg chg="mod">
-          <ac:chgData name="Henry David" userId="65d6f86e9a3dad4c" providerId="LiveId" clId="{31AD9838-3394-438C-A5E5-06BBCCAE6F98}" dt="2025-07-29T03:08:13.703" v="11" actId="164"/>
-          <ac:spMkLst>
-            <pc:docMk/>
-            <pc:sldMk cId="2817005029" sldId="271"/>
-            <ac:spMk id="13" creationId="{B331A5E7-6622-AABF-452D-BBC6A6F20C46}"/>
-          </ac:spMkLst>
-        </pc:spChg>
-        <pc:spChg chg="mod">
-          <ac:chgData name="Henry David" userId="65d6f86e9a3dad4c" providerId="LiveId" clId="{31AD9838-3394-438C-A5E5-06BBCCAE6F98}" dt="2025-07-29T03:08:13.703" v="11" actId="164"/>
-          <ac:spMkLst>
-            <pc:docMk/>
-            <pc:sldMk cId="2817005029" sldId="271"/>
-            <ac:spMk id="14" creationId="{ACFF541C-3B13-5C5B-D157-F6F05AE570B3}"/>
-          </ac:spMkLst>
-        </pc:spChg>
-        <pc:spChg chg="mod">
-          <ac:chgData name="Henry David" userId="65d6f86e9a3dad4c" providerId="LiveId" clId="{31AD9838-3394-438C-A5E5-06BBCCAE6F98}" dt="2025-07-29T03:08:13.703" v="11" actId="164"/>
-          <ac:spMkLst>
-            <pc:docMk/>
-            <pc:sldMk cId="2817005029" sldId="271"/>
-            <ac:spMk id="15" creationId="{3FBC4441-CF72-1135-D1AB-6F0B1B348BA2}"/>
-          </ac:spMkLst>
-        </pc:spChg>
-        <pc:spChg chg="mod">
-          <ac:chgData name="Henry David" userId="65d6f86e9a3dad4c" providerId="LiveId" clId="{31AD9838-3394-438C-A5E5-06BBCCAE6F98}" dt="2025-07-29T03:08:13.703" v="11" actId="164"/>
-          <ac:spMkLst>
-            <pc:docMk/>
-            <pc:sldMk cId="2817005029" sldId="271"/>
-            <ac:spMk id="16" creationId="{FA6B9071-8D0F-4A1E-C548-B866E4E610AA}"/>
-          </ac:spMkLst>
-        </pc:spChg>
-        <pc:spChg chg="mod">
-          <ac:chgData name="Henry David" userId="65d6f86e9a3dad4c" providerId="LiveId" clId="{31AD9838-3394-438C-A5E5-06BBCCAE6F98}" dt="2025-07-29T03:08:13.703" v="11" actId="164"/>
-          <ac:spMkLst>
-            <pc:docMk/>
-            <pc:sldMk cId="2817005029" sldId="271"/>
-            <ac:spMk id="17" creationId="{29321CFE-E5E8-4C03-DF2F-4736965BA25D}"/>
-          </ac:spMkLst>
-        </pc:spChg>
-        <pc:spChg chg="mod">
-          <ac:chgData name="Henry David" userId="65d6f86e9a3dad4c" providerId="LiveId" clId="{31AD9838-3394-438C-A5E5-06BBCCAE6F98}" dt="2025-07-29T03:08:34.982" v="25" actId="20577"/>
-          <ac:spMkLst>
-            <pc:docMk/>
-            <pc:sldMk cId="2817005029" sldId="271"/>
-            <ac:spMk id="19" creationId="{F6969765-4F25-BF63-BD97-7665202B7C68}"/>
-          </ac:spMkLst>
-        </pc:spChg>
-        <pc:spChg chg="mod">
-          <ac:chgData name="Henry David" userId="65d6f86e9a3dad4c" providerId="LiveId" clId="{31AD9838-3394-438C-A5E5-06BBCCAE6F98}" dt="2025-07-29T03:10:47.620" v="111" actId="1076"/>
-          <ac:spMkLst>
-            <pc:docMk/>
-            <pc:sldMk cId="2817005029" sldId="271"/>
-            <ac:spMk id="20" creationId="{7E325AE7-6A6C-1003-AB4B-321E512D8ADE}"/>
-          </ac:spMkLst>
-        </pc:spChg>
-        <pc:spChg chg="mod">
-          <ac:chgData name="Henry David" userId="65d6f86e9a3dad4c" providerId="LiveId" clId="{31AD9838-3394-438C-A5E5-06BBCCAE6F98}" dt="2025-07-29T03:10:41.988" v="110" actId="1076"/>
-          <ac:spMkLst>
-            <pc:docMk/>
-            <pc:sldMk cId="2817005029" sldId="271"/>
-            <ac:spMk id="21" creationId="{480CE5AE-406E-2447-E77C-A10D9EF723EA}"/>
-          </ac:spMkLst>
-        </pc:spChg>
-        <pc:spChg chg="del mod">
-          <ac:chgData name="Henry David" userId="65d6f86e9a3dad4c" providerId="LiveId" clId="{31AD9838-3394-438C-A5E5-06BBCCAE6F98}" dt="2025-07-29T03:10:05.514" v="96" actId="21"/>
-          <ac:spMkLst>
-            <pc:docMk/>
-            <pc:sldMk cId="2817005029" sldId="271"/>
-            <ac:spMk id="22" creationId="{5E7433D9-7065-8A99-A550-D18204EC6BB7}"/>
-          </ac:spMkLst>
-        </pc:spChg>
-        <pc:spChg chg="del mod">
-          <ac:chgData name="Henry David" userId="65d6f86e9a3dad4c" providerId="LiveId" clId="{31AD9838-3394-438C-A5E5-06BBCCAE6F98}" dt="2025-07-29T03:10:01.735" v="95" actId="21"/>
-          <ac:spMkLst>
-            <pc:docMk/>
-            <pc:sldMk cId="2817005029" sldId="271"/>
-            <ac:spMk id="23" creationId="{40340095-2F84-265E-373B-51343D3C790E}"/>
-          </ac:spMkLst>
-        </pc:spChg>
-        <pc:spChg chg="mod">
-          <ac:chgData name="Henry David" userId="65d6f86e9a3dad4c" providerId="LiveId" clId="{31AD9838-3394-438C-A5E5-06BBCCAE6F98}" dt="2025-07-29T03:08:24.292" v="13"/>
-          <ac:spMkLst>
-            <pc:docMk/>
-            <pc:sldMk cId="2817005029" sldId="271"/>
-            <ac:spMk id="24" creationId="{EBFF2D7A-5AAD-DC07-C219-C330A05AAC77}"/>
-          </ac:spMkLst>
-        </pc:spChg>
-        <pc:grpChg chg="add mod">
-          <ac:chgData name="Henry David" userId="65d6f86e9a3dad4c" providerId="LiveId" clId="{31AD9838-3394-438C-A5E5-06BBCCAE6F98}" dt="2025-07-29T03:08:21.910" v="12" actId="1076"/>
-          <ac:grpSpMkLst>
-            <pc:docMk/>
-            <pc:sldMk cId="2817005029" sldId="271"/>
-            <ac:grpSpMk id="11" creationId="{A80C1851-CBCD-9662-359B-195395D8E7EC}"/>
-          </ac:grpSpMkLst>
-        </pc:grpChg>
-        <pc:grpChg chg="add mod">
-          <ac:chgData name="Henry David" userId="65d6f86e9a3dad4c" providerId="LiveId" clId="{31AD9838-3394-438C-A5E5-06BBCCAE6F98}" dt="2025-07-29T03:08:28.903" v="14" actId="1076"/>
-          <ac:grpSpMkLst>
-            <pc:docMk/>
-            <pc:sldMk cId="2817005029" sldId="271"/>
-            <ac:grpSpMk id="18" creationId="{C116A117-0BBA-75FD-CE8B-8C6A5D3A20AB}"/>
-          </ac:grpSpMkLst>
-        </pc:grpChg>
-      </pc:sldChg>
-    </pc:docChg>
-  </pc:docChgLst>
-</pc:chgInfo>
 </file>
 
 <file path=ppt/charts/chart1.xml><?xml version="1.0" encoding="utf-8"?>
@@ -1427,6 +1073,330 @@
     </mc:Fallback>
   </mc:AlternateContent>
   <c:chart>
+    <c:title>
+      <c:overlay val="0"/>
+      <c:spPr>
+        <a:noFill/>
+        <a:ln>
+          <a:noFill/>
+        </a:ln>
+        <a:effectLst/>
+      </c:spPr>
+      <c:txPr>
+        <a:bodyPr rot="0" spcFirstLastPara="1" vertOverflow="ellipsis" vert="horz" wrap="square" anchor="ctr" anchorCtr="1"/>
+        <a:lstStyle/>
+        <a:p>
+          <a:pPr>
+            <a:defRPr sz="1862" b="0" i="0" u="none" strike="noStrike" kern="1200" spc="0" baseline="0">
+              <a:solidFill>
+                <a:schemeClr val="tx1"/>
+              </a:solidFill>
+              <a:latin typeface="Montserrat Black" pitchFamily="2" charset="0"/>
+              <a:ea typeface="+mn-ea"/>
+              <a:cs typeface="+mn-cs"/>
+            </a:defRPr>
+          </a:pPr>
+          <a:endParaRPr lang="pt-BR"/>
+        </a:p>
+      </c:txPr>
+    </c:title>
+    <c:autoTitleDeleted val="0"/>
+    <c:plotArea>
+      <c:layout>
+        <c:manualLayout>
+          <c:layoutTarget val="inner"/>
+          <c:xMode val="edge"/>
+          <c:yMode val="edge"/>
+          <c:x val="1.410666191472626E-2"/>
+          <c:y val="2.7492185808797618E-2"/>
+          <c:w val="0.96372572650498967"/>
+          <c:h val="0.90497644531394894"/>
+        </c:manualLayout>
+      </c:layout>
+      <c:barChart>
+        <c:barDir val="col"/>
+        <c:grouping val="clustered"/>
+        <c:varyColors val="0"/>
+        <c:ser>
+          <c:idx val="0"/>
+          <c:order val="0"/>
+          <c:tx>
+            <c:strRef>
+              <c:f>Planilha1!$B$1</c:f>
+              <c:strCache>
+                <c:ptCount val="1"/>
+                <c:pt idx="0">
+                  <c:v>Taxa de Churn</c:v>
+                </c:pt>
+              </c:strCache>
+            </c:strRef>
+          </c:tx>
+          <c:spPr>
+            <a:solidFill>
+              <a:srgbClr val="7F71E9"/>
+            </a:solidFill>
+            <a:ln>
+              <a:noFill/>
+            </a:ln>
+            <a:effectLst/>
+          </c:spPr>
+          <c:invertIfNegative val="0"/>
+          <c:dPt>
+            <c:idx val="3"/>
+            <c:invertIfNegative val="0"/>
+            <c:bubble3D val="0"/>
+            <c:spPr>
+              <a:solidFill>
+                <a:srgbClr val="C0392B"/>
+              </a:solidFill>
+              <a:ln>
+                <a:noFill/>
+              </a:ln>
+              <a:effectLst/>
+            </c:spPr>
+            <c:extLst>
+              <c:ext xmlns:c16="http://schemas.microsoft.com/office/drawing/2014/chart" uri="{C3380CC4-5D6E-409C-BE32-E72D297353CC}">
+                <c16:uniqueId val="{00000003-2F15-44BA-A58A-35933E2D96BA}"/>
+              </c:ext>
+            </c:extLst>
+          </c:dPt>
+          <c:dLbls>
+            <c:spPr>
+              <a:noFill/>
+              <a:ln>
+                <a:noFill/>
+              </a:ln>
+              <a:effectLst/>
+            </c:spPr>
+            <c:txPr>
+              <a:bodyPr rot="0" spcFirstLastPara="1" vertOverflow="ellipsis" vert="horz" wrap="square" lIns="38100" tIns="19050" rIns="38100" bIns="19050" anchor="ctr" anchorCtr="1">
+                <a:spAutoFit/>
+              </a:bodyPr>
+              <a:lstStyle/>
+              <a:p>
+                <a:pPr>
+                  <a:defRPr sz="1197" b="0" i="0" u="none" strike="noStrike" kern="1200" baseline="0">
+                    <a:solidFill>
+                      <a:schemeClr val="tx1">
+                        <a:lumMod val="75000"/>
+                        <a:lumOff val="25000"/>
+                      </a:schemeClr>
+                    </a:solidFill>
+                    <a:latin typeface="Montserrat SemiBold" pitchFamily="2" charset="0"/>
+                    <a:ea typeface="+mn-ea"/>
+                    <a:cs typeface="+mn-cs"/>
+                  </a:defRPr>
+                </a:pPr>
+                <a:endParaRPr lang="pt-BR"/>
+              </a:p>
+            </c:txPr>
+            <c:dLblPos val="outEnd"/>
+            <c:showLegendKey val="0"/>
+            <c:showVal val="1"/>
+            <c:showCatName val="0"/>
+            <c:showSerName val="0"/>
+            <c:showPercent val="0"/>
+            <c:showBubbleSize val="0"/>
+            <c:showLeaderLines val="0"/>
+            <c:extLst>
+              <c:ext xmlns:c15="http://schemas.microsoft.com/office/drawing/2012/chart" uri="{CE6537A1-D6FC-4f65-9D91-7224C49458BB}">
+                <c15:showLeaderLines val="1"/>
+                <c15:leaderLines>
+                  <c:spPr>
+                    <a:ln w="9525" cap="flat" cmpd="sng" algn="ctr">
+                      <a:solidFill>
+                        <a:schemeClr val="tx1">
+                          <a:lumMod val="35000"/>
+                          <a:lumOff val="65000"/>
+                        </a:schemeClr>
+                      </a:solidFill>
+                      <a:round/>
+                    </a:ln>
+                    <a:effectLst/>
+                  </c:spPr>
+                </c15:leaderLines>
+              </c:ext>
+            </c:extLst>
+          </c:dLbls>
+          <c:cat>
+            <c:strRef>
+              <c:f>Planilha1!$A$2:$A$5</c:f>
+              <c:strCache>
+                <c:ptCount val="4"/>
+                <c:pt idx="0">
+                  <c:v>Cluster 0</c:v>
+                </c:pt>
+                <c:pt idx="1">
+                  <c:v>Cluster 1</c:v>
+                </c:pt>
+                <c:pt idx="2">
+                  <c:v>Cluster 2</c:v>
+                </c:pt>
+                <c:pt idx="3">
+                  <c:v>Cluster 3</c:v>
+                </c:pt>
+              </c:strCache>
+            </c:strRef>
+          </c:cat>
+          <c:val>
+            <c:numRef>
+              <c:f>Planilha1!$B$2:$B$5</c:f>
+              <c:numCache>
+                <c:formatCode>0%</c:formatCode>
+                <c:ptCount val="4"/>
+                <c:pt idx="0">
+                  <c:v>0.18</c:v>
+                </c:pt>
+                <c:pt idx="1">
+                  <c:v>0.32</c:v>
+                </c:pt>
+                <c:pt idx="2">
+                  <c:v>0.05</c:v>
+                </c:pt>
+                <c:pt idx="3">
+                  <c:v>0.93</c:v>
+                </c:pt>
+              </c:numCache>
+            </c:numRef>
+          </c:val>
+          <c:extLst>
+            <c:ext xmlns:c16="http://schemas.microsoft.com/office/drawing/2014/chart" uri="{C3380CC4-5D6E-409C-BE32-E72D297353CC}">
+              <c16:uniqueId val="{00000000-2F15-44BA-A58A-35933E2D96BA}"/>
+            </c:ext>
+          </c:extLst>
+        </c:ser>
+        <c:dLbls>
+          <c:showLegendKey val="0"/>
+          <c:showVal val="0"/>
+          <c:showCatName val="0"/>
+          <c:showSerName val="0"/>
+          <c:showPercent val="0"/>
+          <c:showBubbleSize val="0"/>
+        </c:dLbls>
+        <c:gapWidth val="219"/>
+        <c:overlap val="-27"/>
+        <c:axId val="83006272"/>
+        <c:axId val="83007232"/>
+      </c:barChart>
+      <c:catAx>
+        <c:axId val="83006272"/>
+        <c:scaling>
+          <c:orientation val="minMax"/>
+        </c:scaling>
+        <c:delete val="0"/>
+        <c:axPos val="b"/>
+        <c:numFmt formatCode="General" sourceLinked="1"/>
+        <c:majorTickMark val="none"/>
+        <c:minorTickMark val="none"/>
+        <c:tickLblPos val="nextTo"/>
+        <c:spPr>
+          <a:noFill/>
+          <a:ln w="9525" cap="flat" cmpd="sng" algn="ctr">
+            <a:solidFill>
+              <a:schemeClr val="tx1">
+                <a:lumMod val="15000"/>
+                <a:lumOff val="85000"/>
+              </a:schemeClr>
+            </a:solidFill>
+            <a:round/>
+          </a:ln>
+          <a:effectLst/>
+        </c:spPr>
+        <c:txPr>
+          <a:bodyPr rot="-60000000" spcFirstLastPara="1" vertOverflow="ellipsis" vert="horz" wrap="square" anchor="ctr" anchorCtr="1"/>
+          <a:lstStyle/>
+          <a:p>
+            <a:pPr>
+              <a:defRPr sz="1197" b="0" i="0" u="none" strike="noStrike" kern="1200" baseline="0">
+                <a:solidFill>
+                  <a:schemeClr val="tx1"/>
+                </a:solidFill>
+                <a:latin typeface="Montserrat SemiBold" pitchFamily="2" charset="0"/>
+                <a:ea typeface="+mn-ea"/>
+                <a:cs typeface="+mn-cs"/>
+              </a:defRPr>
+            </a:pPr>
+            <a:endParaRPr lang="pt-BR"/>
+          </a:p>
+        </c:txPr>
+        <c:crossAx val="83007232"/>
+        <c:crosses val="autoZero"/>
+        <c:auto val="1"/>
+        <c:lblAlgn val="ctr"/>
+        <c:lblOffset val="100"/>
+        <c:noMultiLvlLbl val="0"/>
+      </c:catAx>
+      <c:valAx>
+        <c:axId val="83007232"/>
+        <c:scaling>
+          <c:orientation val="minMax"/>
+        </c:scaling>
+        <c:delete val="1"/>
+        <c:axPos val="l"/>
+        <c:numFmt formatCode="0%" sourceLinked="1"/>
+        <c:majorTickMark val="none"/>
+        <c:minorTickMark val="none"/>
+        <c:tickLblPos val="nextTo"/>
+        <c:crossAx val="83006272"/>
+        <c:crosses val="autoZero"/>
+        <c:crossBetween val="between"/>
+      </c:valAx>
+      <c:spPr>
+        <a:noFill/>
+        <a:ln>
+          <a:noFill/>
+        </a:ln>
+        <a:effectLst/>
+      </c:spPr>
+    </c:plotArea>
+    <c:plotVisOnly val="1"/>
+    <c:dispBlanksAs val="gap"/>
+    <c:extLst>
+      <c:ext xmlns:c16r3="http://schemas.microsoft.com/office/drawing/2017/03/chart" uri="{56B9EC1D-385E-4148-901F-78D8002777C0}">
+        <c16r3:dataDisplayOptions16>
+          <c16r3:dispNaAsBlank val="1"/>
+        </c16r3:dataDisplayOptions16>
+      </c:ext>
+    </c:extLst>
+    <c:showDLblsOverMax val="0"/>
+  </c:chart>
+  <c:spPr>
+    <a:noFill/>
+    <a:ln>
+      <a:noFill/>
+    </a:ln>
+    <a:effectLst/>
+  </c:spPr>
+  <c:txPr>
+    <a:bodyPr/>
+    <a:lstStyle/>
+    <a:p>
+      <a:pPr>
+        <a:defRPr/>
+      </a:pPr>
+      <a:endParaRPr lang="pt-BR"/>
+    </a:p>
+  </c:txPr>
+  <c:externalData r:id="rId3">
+    <c:autoUpdate val="0"/>
+  </c:externalData>
+</c:chartSpace>
+</file>
+
+<file path=ppt/charts/chart6.xml><?xml version="1.0" encoding="utf-8"?>
+<c:chartSpace xmlns:c="http://schemas.openxmlformats.org/drawingml/2006/chart" xmlns:a="http://schemas.openxmlformats.org/drawingml/2006/main" xmlns:r="http://schemas.openxmlformats.org/officeDocument/2006/relationships" xmlns:c16r2="http://schemas.microsoft.com/office/drawing/2015/06/chart">
+  <c:date1904 val="0"/>
+  <c:lang val="pt-BR"/>
+  <c:roundedCorners val="0"/>
+  <mc:AlternateContent xmlns:mc="http://schemas.openxmlformats.org/markup-compatibility/2006">
+    <mc:Choice xmlns:c14="http://schemas.microsoft.com/office/drawing/2007/8/2/chart" Requires="c14">
+      <c14:style val="102"/>
+    </mc:Choice>
+    <mc:Fallback>
+      <c:style val="2"/>
+    </mc:Fallback>
+  </mc:AlternateContent>
+  <c:chart>
     <c:autoTitleDeleted val="1"/>
     <c:plotArea>
       <c:layout>
@@ -1829,6 +1799,46 @@
 </cs:colorStyle>
 </file>
 
+<file path=ppt/charts/colors6.xml><?xml version="1.0" encoding="utf-8"?>
+<cs:colorStyle xmlns:cs="http://schemas.microsoft.com/office/drawing/2012/chartStyle" xmlns:a="http://schemas.openxmlformats.org/drawingml/2006/main" meth="cycle" id="10">
+  <a:schemeClr val="accent1"/>
+  <a:schemeClr val="accent2"/>
+  <a:schemeClr val="accent3"/>
+  <a:schemeClr val="accent4"/>
+  <a:schemeClr val="accent5"/>
+  <a:schemeClr val="accent6"/>
+  <cs:variation/>
+  <cs:variation>
+    <a:lumMod val="60000"/>
+  </cs:variation>
+  <cs:variation>
+    <a:lumMod val="80000"/>
+    <a:lumOff val="20000"/>
+  </cs:variation>
+  <cs:variation>
+    <a:lumMod val="80000"/>
+  </cs:variation>
+  <cs:variation>
+    <a:lumMod val="60000"/>
+    <a:lumOff val="40000"/>
+  </cs:variation>
+  <cs:variation>
+    <a:lumMod val="50000"/>
+  </cs:variation>
+  <cs:variation>
+    <a:lumMod val="70000"/>
+    <a:lumOff val="30000"/>
+  </cs:variation>
+  <cs:variation>
+    <a:lumMod val="70000"/>
+  </cs:variation>
+  <cs:variation>
+    <a:lumMod val="50000"/>
+    <a:lumOff val="50000"/>
+  </cs:variation>
+</cs:colorStyle>
+</file>
+
 <file path=ppt/charts/style1.xml><?xml version="1.0" encoding="utf-8"?>
 <cs:chartStyle xmlns:cs="http://schemas.microsoft.com/office/drawing/2012/chartStyle" xmlns:a="http://schemas.openxmlformats.org/drawingml/2006/main" id="201">
   <cs:axisTitle>
@@ -3842,6 +3852,509 @@
 </file>
 
 <file path=ppt/charts/style5.xml><?xml version="1.0" encoding="utf-8"?>
+<cs:chartStyle xmlns:cs="http://schemas.microsoft.com/office/drawing/2012/chartStyle" xmlns:a="http://schemas.openxmlformats.org/drawingml/2006/main" id="201">
+  <cs:axisTitle>
+    <cs:lnRef idx="0"/>
+    <cs:fillRef idx="0"/>
+    <cs:effectRef idx="0"/>
+    <cs:fontRef idx="minor">
+      <a:schemeClr val="tx1">
+        <a:lumMod val="65000"/>
+        <a:lumOff val="35000"/>
+      </a:schemeClr>
+    </cs:fontRef>
+    <cs:defRPr sz="1330" kern="1200"/>
+  </cs:axisTitle>
+  <cs:categoryAxis>
+    <cs:lnRef idx="0"/>
+    <cs:fillRef idx="0"/>
+    <cs:effectRef idx="0"/>
+    <cs:fontRef idx="minor">
+      <a:schemeClr val="tx1">
+        <a:lumMod val="65000"/>
+        <a:lumOff val="35000"/>
+      </a:schemeClr>
+    </cs:fontRef>
+    <cs:spPr>
+      <a:ln w="9525" cap="flat" cmpd="sng" algn="ctr">
+        <a:solidFill>
+          <a:schemeClr val="tx1">
+            <a:lumMod val="15000"/>
+            <a:lumOff val="85000"/>
+          </a:schemeClr>
+        </a:solidFill>
+        <a:round/>
+      </a:ln>
+    </cs:spPr>
+    <cs:defRPr sz="1197" kern="1200"/>
+  </cs:categoryAxis>
+  <cs:chartArea mods="allowNoFillOverride allowNoLineOverride">
+    <cs:lnRef idx="0"/>
+    <cs:fillRef idx="0"/>
+    <cs:effectRef idx="0"/>
+    <cs:fontRef idx="minor">
+      <a:schemeClr val="tx1"/>
+    </cs:fontRef>
+    <cs:spPr>
+      <a:solidFill>
+        <a:schemeClr val="bg1"/>
+      </a:solidFill>
+      <a:ln w="9525" cap="flat" cmpd="sng" algn="ctr">
+        <a:solidFill>
+          <a:schemeClr val="tx1">
+            <a:lumMod val="15000"/>
+            <a:lumOff val="85000"/>
+          </a:schemeClr>
+        </a:solidFill>
+        <a:round/>
+      </a:ln>
+    </cs:spPr>
+    <cs:defRPr sz="1330" kern="1200"/>
+  </cs:chartArea>
+  <cs:dataLabel>
+    <cs:lnRef idx="0"/>
+    <cs:fillRef idx="0"/>
+    <cs:effectRef idx="0"/>
+    <cs:fontRef idx="minor">
+      <a:schemeClr val="tx1">
+        <a:lumMod val="75000"/>
+        <a:lumOff val="25000"/>
+      </a:schemeClr>
+    </cs:fontRef>
+    <cs:defRPr sz="1197" kern="1200"/>
+  </cs:dataLabel>
+  <cs:dataLabelCallout>
+    <cs:lnRef idx="0"/>
+    <cs:fillRef idx="0"/>
+    <cs:effectRef idx="0"/>
+    <cs:fontRef idx="minor">
+      <a:schemeClr val="dk1">
+        <a:lumMod val="65000"/>
+        <a:lumOff val="35000"/>
+      </a:schemeClr>
+    </cs:fontRef>
+    <cs:spPr>
+      <a:solidFill>
+        <a:schemeClr val="lt1"/>
+      </a:solidFill>
+      <a:ln>
+        <a:solidFill>
+          <a:schemeClr val="dk1">
+            <a:lumMod val="25000"/>
+            <a:lumOff val="75000"/>
+          </a:schemeClr>
+        </a:solidFill>
+      </a:ln>
+    </cs:spPr>
+    <cs:defRPr sz="1197" kern="1200"/>
+    <cs:bodyPr rot="0" spcFirstLastPara="1" vertOverflow="clip" horzOverflow="clip" vert="horz" wrap="square" lIns="36576" tIns="18288" rIns="36576" bIns="18288" anchor="ctr" anchorCtr="1">
+      <a:spAutoFit/>
+    </cs:bodyPr>
+  </cs:dataLabelCallout>
+  <cs:dataPoint>
+    <cs:lnRef idx="0"/>
+    <cs:fillRef idx="1">
+      <cs:styleClr val="auto"/>
+    </cs:fillRef>
+    <cs:effectRef idx="0"/>
+    <cs:fontRef idx="minor">
+      <a:schemeClr val="tx1"/>
+    </cs:fontRef>
+  </cs:dataPoint>
+  <cs:dataPoint3D>
+    <cs:lnRef idx="0"/>
+    <cs:fillRef idx="1">
+      <cs:styleClr val="auto"/>
+    </cs:fillRef>
+    <cs:effectRef idx="0"/>
+    <cs:fontRef idx="minor">
+      <a:schemeClr val="tx1"/>
+    </cs:fontRef>
+  </cs:dataPoint3D>
+  <cs:dataPointLine>
+    <cs:lnRef idx="0">
+      <cs:styleClr val="auto"/>
+    </cs:lnRef>
+    <cs:fillRef idx="1"/>
+    <cs:effectRef idx="0"/>
+    <cs:fontRef idx="minor">
+      <a:schemeClr val="tx1"/>
+    </cs:fontRef>
+    <cs:spPr>
+      <a:ln w="28575" cap="rnd">
+        <a:solidFill>
+          <a:schemeClr val="phClr"/>
+        </a:solidFill>
+        <a:round/>
+      </a:ln>
+    </cs:spPr>
+  </cs:dataPointLine>
+  <cs:dataPointMarker>
+    <cs:lnRef idx="0">
+      <cs:styleClr val="auto"/>
+    </cs:lnRef>
+    <cs:fillRef idx="1">
+      <cs:styleClr val="auto"/>
+    </cs:fillRef>
+    <cs:effectRef idx="0"/>
+    <cs:fontRef idx="minor">
+      <a:schemeClr val="tx1"/>
+    </cs:fontRef>
+    <cs:spPr>
+      <a:ln w="9525">
+        <a:solidFill>
+          <a:schemeClr val="phClr"/>
+        </a:solidFill>
+      </a:ln>
+    </cs:spPr>
+  </cs:dataPointMarker>
+  <cs:dataPointMarkerLayout symbol="circle" size="5"/>
+  <cs:dataPointWireframe>
+    <cs:lnRef idx="0">
+      <cs:styleClr val="auto"/>
+    </cs:lnRef>
+    <cs:fillRef idx="1"/>
+    <cs:effectRef idx="0"/>
+    <cs:fontRef idx="minor">
+      <a:schemeClr val="tx1"/>
+    </cs:fontRef>
+    <cs:spPr>
+      <a:ln w="9525" cap="rnd">
+        <a:solidFill>
+          <a:schemeClr val="phClr"/>
+        </a:solidFill>
+        <a:round/>
+      </a:ln>
+    </cs:spPr>
+  </cs:dataPointWireframe>
+  <cs:dataTable>
+    <cs:lnRef idx="0"/>
+    <cs:fillRef idx="0"/>
+    <cs:effectRef idx="0"/>
+    <cs:fontRef idx="minor">
+      <a:schemeClr val="tx1">
+        <a:lumMod val="65000"/>
+        <a:lumOff val="35000"/>
+      </a:schemeClr>
+    </cs:fontRef>
+    <cs:spPr>
+      <a:noFill/>
+      <a:ln w="9525" cap="flat" cmpd="sng" algn="ctr">
+        <a:solidFill>
+          <a:schemeClr val="tx1">
+            <a:lumMod val="15000"/>
+            <a:lumOff val="85000"/>
+          </a:schemeClr>
+        </a:solidFill>
+        <a:round/>
+      </a:ln>
+    </cs:spPr>
+    <cs:defRPr sz="1197" kern="1200"/>
+  </cs:dataTable>
+  <cs:downBar>
+    <cs:lnRef idx="0"/>
+    <cs:fillRef idx="0"/>
+    <cs:effectRef idx="0"/>
+    <cs:fontRef idx="minor">
+      <a:schemeClr val="dk1"/>
+    </cs:fontRef>
+    <cs:spPr>
+      <a:solidFill>
+        <a:schemeClr val="dk1">
+          <a:lumMod val="65000"/>
+          <a:lumOff val="35000"/>
+        </a:schemeClr>
+      </a:solidFill>
+      <a:ln w="9525">
+        <a:solidFill>
+          <a:schemeClr val="tx1">
+            <a:lumMod val="65000"/>
+            <a:lumOff val="35000"/>
+          </a:schemeClr>
+        </a:solidFill>
+      </a:ln>
+    </cs:spPr>
+  </cs:downBar>
+  <cs:dropLine>
+    <cs:lnRef idx="0"/>
+    <cs:fillRef idx="0"/>
+    <cs:effectRef idx="0"/>
+    <cs:fontRef idx="minor">
+      <a:schemeClr val="tx1"/>
+    </cs:fontRef>
+    <cs:spPr>
+      <a:ln w="9525" cap="flat" cmpd="sng" algn="ctr">
+        <a:solidFill>
+          <a:schemeClr val="tx1">
+            <a:lumMod val="35000"/>
+            <a:lumOff val="65000"/>
+          </a:schemeClr>
+        </a:solidFill>
+        <a:round/>
+      </a:ln>
+    </cs:spPr>
+  </cs:dropLine>
+  <cs:errorBar>
+    <cs:lnRef idx="0"/>
+    <cs:fillRef idx="0"/>
+    <cs:effectRef idx="0"/>
+    <cs:fontRef idx="minor">
+      <a:schemeClr val="tx1"/>
+    </cs:fontRef>
+    <cs:spPr>
+      <a:ln w="9525" cap="flat" cmpd="sng" algn="ctr">
+        <a:solidFill>
+          <a:schemeClr val="tx1">
+            <a:lumMod val="65000"/>
+            <a:lumOff val="35000"/>
+          </a:schemeClr>
+        </a:solidFill>
+        <a:round/>
+      </a:ln>
+    </cs:spPr>
+  </cs:errorBar>
+  <cs:floor>
+    <cs:lnRef idx="0"/>
+    <cs:fillRef idx="0"/>
+    <cs:effectRef idx="0"/>
+    <cs:fontRef idx="minor">
+      <a:schemeClr val="tx1"/>
+    </cs:fontRef>
+    <cs:spPr>
+      <a:noFill/>
+      <a:ln>
+        <a:noFill/>
+      </a:ln>
+    </cs:spPr>
+  </cs:floor>
+  <cs:gridlineMajor>
+    <cs:lnRef idx="0"/>
+    <cs:fillRef idx="0"/>
+    <cs:effectRef idx="0"/>
+    <cs:fontRef idx="minor">
+      <a:schemeClr val="tx1"/>
+    </cs:fontRef>
+    <cs:spPr>
+      <a:ln w="9525" cap="flat" cmpd="sng" algn="ctr">
+        <a:solidFill>
+          <a:schemeClr val="tx1">
+            <a:lumMod val="15000"/>
+            <a:lumOff val="85000"/>
+          </a:schemeClr>
+        </a:solidFill>
+        <a:round/>
+      </a:ln>
+    </cs:spPr>
+  </cs:gridlineMajor>
+  <cs:gridlineMinor>
+    <cs:lnRef idx="0"/>
+    <cs:fillRef idx="0"/>
+    <cs:effectRef idx="0"/>
+    <cs:fontRef idx="minor">
+      <a:schemeClr val="tx1"/>
+    </cs:fontRef>
+    <cs:spPr>
+      <a:ln w="9525" cap="flat" cmpd="sng" algn="ctr">
+        <a:solidFill>
+          <a:schemeClr val="tx1">
+            <a:lumMod val="5000"/>
+            <a:lumOff val="95000"/>
+          </a:schemeClr>
+        </a:solidFill>
+        <a:round/>
+      </a:ln>
+    </cs:spPr>
+  </cs:gridlineMinor>
+  <cs:hiLoLine>
+    <cs:lnRef idx="0"/>
+    <cs:fillRef idx="0"/>
+    <cs:effectRef idx="0"/>
+    <cs:fontRef idx="minor">
+      <a:schemeClr val="tx1"/>
+    </cs:fontRef>
+    <cs:spPr>
+      <a:ln w="9525" cap="flat" cmpd="sng" algn="ctr">
+        <a:solidFill>
+          <a:schemeClr val="tx1">
+            <a:lumMod val="75000"/>
+            <a:lumOff val="25000"/>
+          </a:schemeClr>
+        </a:solidFill>
+        <a:round/>
+      </a:ln>
+    </cs:spPr>
+  </cs:hiLoLine>
+  <cs:leaderLine>
+    <cs:lnRef idx="0"/>
+    <cs:fillRef idx="0"/>
+    <cs:effectRef idx="0"/>
+    <cs:fontRef idx="minor">
+      <a:schemeClr val="tx1"/>
+    </cs:fontRef>
+    <cs:spPr>
+      <a:ln w="9525" cap="flat" cmpd="sng" algn="ctr">
+        <a:solidFill>
+          <a:schemeClr val="tx1">
+            <a:lumMod val="35000"/>
+            <a:lumOff val="65000"/>
+          </a:schemeClr>
+        </a:solidFill>
+        <a:round/>
+      </a:ln>
+    </cs:spPr>
+  </cs:leaderLine>
+  <cs:legend>
+    <cs:lnRef idx="0"/>
+    <cs:fillRef idx="0"/>
+    <cs:effectRef idx="0"/>
+    <cs:fontRef idx="minor">
+      <a:schemeClr val="tx1">
+        <a:lumMod val="65000"/>
+        <a:lumOff val="35000"/>
+      </a:schemeClr>
+    </cs:fontRef>
+    <cs:defRPr sz="1197" kern="1200"/>
+  </cs:legend>
+  <cs:plotArea mods="allowNoFillOverride allowNoLineOverride">
+    <cs:lnRef idx="0"/>
+    <cs:fillRef idx="0"/>
+    <cs:effectRef idx="0"/>
+    <cs:fontRef idx="minor">
+      <a:schemeClr val="tx1"/>
+    </cs:fontRef>
+  </cs:plotArea>
+  <cs:plotArea3D mods="allowNoFillOverride allowNoLineOverride">
+    <cs:lnRef idx="0"/>
+    <cs:fillRef idx="0"/>
+    <cs:effectRef idx="0"/>
+    <cs:fontRef idx="minor">
+      <a:schemeClr val="tx1"/>
+    </cs:fontRef>
+  </cs:plotArea3D>
+  <cs:seriesAxis>
+    <cs:lnRef idx="0"/>
+    <cs:fillRef idx="0"/>
+    <cs:effectRef idx="0"/>
+    <cs:fontRef idx="minor">
+      <a:schemeClr val="tx1">
+        <a:lumMod val="65000"/>
+        <a:lumOff val="35000"/>
+      </a:schemeClr>
+    </cs:fontRef>
+    <cs:defRPr sz="1197" kern="1200"/>
+  </cs:seriesAxis>
+  <cs:seriesLine>
+    <cs:lnRef idx="0"/>
+    <cs:fillRef idx="0"/>
+    <cs:effectRef idx="0"/>
+    <cs:fontRef idx="minor">
+      <a:schemeClr val="tx1"/>
+    </cs:fontRef>
+    <cs:spPr>
+      <a:ln w="9525" cap="flat" cmpd="sng" algn="ctr">
+        <a:solidFill>
+          <a:schemeClr val="tx1">
+            <a:lumMod val="35000"/>
+            <a:lumOff val="65000"/>
+          </a:schemeClr>
+        </a:solidFill>
+        <a:round/>
+      </a:ln>
+    </cs:spPr>
+  </cs:seriesLine>
+  <cs:title>
+    <cs:lnRef idx="0"/>
+    <cs:fillRef idx="0"/>
+    <cs:effectRef idx="0"/>
+    <cs:fontRef idx="minor">
+      <a:schemeClr val="tx1">
+        <a:lumMod val="65000"/>
+        <a:lumOff val="35000"/>
+      </a:schemeClr>
+    </cs:fontRef>
+    <cs:defRPr sz="1862" b="0" kern="1200" spc="0" baseline="0"/>
+  </cs:title>
+  <cs:trendline>
+    <cs:lnRef idx="0">
+      <cs:styleClr val="auto"/>
+    </cs:lnRef>
+    <cs:fillRef idx="0"/>
+    <cs:effectRef idx="0"/>
+    <cs:fontRef idx="minor">
+      <a:schemeClr val="tx1"/>
+    </cs:fontRef>
+    <cs:spPr>
+      <a:ln w="19050" cap="rnd">
+        <a:solidFill>
+          <a:schemeClr val="phClr"/>
+        </a:solidFill>
+        <a:prstDash val="sysDot"/>
+      </a:ln>
+    </cs:spPr>
+  </cs:trendline>
+  <cs:trendlineLabel>
+    <cs:lnRef idx="0"/>
+    <cs:fillRef idx="0"/>
+    <cs:effectRef idx="0"/>
+    <cs:fontRef idx="minor">
+      <a:schemeClr val="tx1">
+        <a:lumMod val="65000"/>
+        <a:lumOff val="35000"/>
+      </a:schemeClr>
+    </cs:fontRef>
+    <cs:defRPr sz="1197" kern="1200"/>
+  </cs:trendlineLabel>
+  <cs:upBar>
+    <cs:lnRef idx="0"/>
+    <cs:fillRef idx="0"/>
+    <cs:effectRef idx="0"/>
+    <cs:fontRef idx="minor">
+      <a:schemeClr val="dk1"/>
+    </cs:fontRef>
+    <cs:spPr>
+      <a:solidFill>
+        <a:schemeClr val="lt1"/>
+      </a:solidFill>
+      <a:ln w="9525">
+        <a:solidFill>
+          <a:schemeClr val="tx1">
+            <a:lumMod val="15000"/>
+            <a:lumOff val="85000"/>
+          </a:schemeClr>
+        </a:solidFill>
+      </a:ln>
+    </cs:spPr>
+  </cs:upBar>
+  <cs:valueAxis>
+    <cs:lnRef idx="0"/>
+    <cs:fillRef idx="0"/>
+    <cs:effectRef idx="0"/>
+    <cs:fontRef idx="minor">
+      <a:schemeClr val="tx1">
+        <a:lumMod val="65000"/>
+        <a:lumOff val="35000"/>
+      </a:schemeClr>
+    </cs:fontRef>
+    <cs:defRPr sz="1197" kern="1200"/>
+  </cs:valueAxis>
+  <cs:wall>
+    <cs:lnRef idx="0"/>
+    <cs:fillRef idx="0"/>
+    <cs:effectRef idx="0"/>
+    <cs:fontRef idx="minor">
+      <a:schemeClr val="tx1"/>
+    </cs:fontRef>
+    <cs:spPr>
+      <a:noFill/>
+      <a:ln>
+        <a:noFill/>
+      </a:ln>
+    </cs:spPr>
+  </cs:wall>
+</cs:chartStyle>
+</file>
+
+<file path=ppt/charts/style6.xml><?xml version="1.0" encoding="utf-8"?>
 <cs:chartStyle xmlns:cs="http://schemas.microsoft.com/office/drawing/2012/chartStyle" xmlns:a="http://schemas.openxmlformats.org/drawingml/2006/main" id="201">
   <cs:axisTitle>
     <cs:lnRef idx="0"/>
@@ -4491,7 +5004,7 @@
           <a:p>
             <a:fld id="{91580338-80B2-482A-95A5-0B818EE25639}" type="datetimeFigureOut">
               <a:rPr lang="pt-BR" smtClean="0"/>
-              <a:t>28/07/2025</a:t>
+              <a:t>02/08/2025</a:t>
             </a:fld>
             <a:endParaRPr lang="pt-BR"/>
           </a:p>
@@ -4689,7 +5202,7 @@
           <a:p>
             <a:fld id="{91580338-80B2-482A-95A5-0B818EE25639}" type="datetimeFigureOut">
               <a:rPr lang="pt-BR" smtClean="0"/>
-              <a:t>28/07/2025</a:t>
+              <a:t>02/08/2025</a:t>
             </a:fld>
             <a:endParaRPr lang="pt-BR"/>
           </a:p>
@@ -4897,7 +5410,7 @@
           <a:p>
             <a:fld id="{91580338-80B2-482A-95A5-0B818EE25639}" type="datetimeFigureOut">
               <a:rPr lang="pt-BR" smtClean="0"/>
-              <a:t>28/07/2025</a:t>
+              <a:t>02/08/2025</a:t>
             </a:fld>
             <a:endParaRPr lang="pt-BR"/>
           </a:p>
@@ -5095,7 +5608,7 @@
           <a:p>
             <a:fld id="{91580338-80B2-482A-95A5-0B818EE25639}" type="datetimeFigureOut">
               <a:rPr lang="pt-BR" smtClean="0"/>
-              <a:t>28/07/2025</a:t>
+              <a:t>02/08/2025</a:t>
             </a:fld>
             <a:endParaRPr lang="pt-BR"/>
           </a:p>
@@ -5370,7 +5883,7 @@
           <a:p>
             <a:fld id="{91580338-80B2-482A-95A5-0B818EE25639}" type="datetimeFigureOut">
               <a:rPr lang="pt-BR" smtClean="0"/>
-              <a:t>28/07/2025</a:t>
+              <a:t>02/08/2025</a:t>
             </a:fld>
             <a:endParaRPr lang="pt-BR"/>
           </a:p>
@@ -5635,7 +6148,7 @@
           <a:p>
             <a:fld id="{91580338-80B2-482A-95A5-0B818EE25639}" type="datetimeFigureOut">
               <a:rPr lang="pt-BR" smtClean="0"/>
-              <a:t>28/07/2025</a:t>
+              <a:t>02/08/2025</a:t>
             </a:fld>
             <a:endParaRPr lang="pt-BR"/>
           </a:p>
@@ -6047,7 +6560,7 @@
           <a:p>
             <a:fld id="{91580338-80B2-482A-95A5-0B818EE25639}" type="datetimeFigureOut">
               <a:rPr lang="pt-BR" smtClean="0"/>
-              <a:t>28/07/2025</a:t>
+              <a:t>02/08/2025</a:t>
             </a:fld>
             <a:endParaRPr lang="pt-BR"/>
           </a:p>
@@ -6188,7 +6701,7 @@
           <a:p>
             <a:fld id="{91580338-80B2-482A-95A5-0B818EE25639}" type="datetimeFigureOut">
               <a:rPr lang="pt-BR" smtClean="0"/>
-              <a:t>28/07/2025</a:t>
+              <a:t>02/08/2025</a:t>
             </a:fld>
             <a:endParaRPr lang="pt-BR"/>
           </a:p>
@@ -6301,7 +6814,7 @@
           <a:p>
             <a:fld id="{91580338-80B2-482A-95A5-0B818EE25639}" type="datetimeFigureOut">
               <a:rPr lang="pt-BR" smtClean="0"/>
-              <a:t>28/07/2025</a:t>
+              <a:t>02/08/2025</a:t>
             </a:fld>
             <a:endParaRPr lang="pt-BR"/>
           </a:p>
@@ -6612,7 +7125,7 @@
           <a:p>
             <a:fld id="{91580338-80B2-482A-95A5-0B818EE25639}" type="datetimeFigureOut">
               <a:rPr lang="pt-BR" smtClean="0"/>
-              <a:t>28/07/2025</a:t>
+              <a:t>02/08/2025</a:t>
             </a:fld>
             <a:endParaRPr lang="pt-BR"/>
           </a:p>
@@ -6900,7 +7413,7 @@
           <a:p>
             <a:fld id="{91580338-80B2-482A-95A5-0B818EE25639}" type="datetimeFigureOut">
               <a:rPr lang="pt-BR" smtClean="0"/>
-              <a:t>28/07/2025</a:t>
+              <a:t>02/08/2025</a:t>
             </a:fld>
             <a:endParaRPr lang="pt-BR"/>
           </a:p>
@@ -7141,7 +7654,7 @@
           <a:p>
             <a:fld id="{91580338-80B2-482A-95A5-0B818EE25639}" type="datetimeFigureOut">
               <a:rPr lang="pt-BR" smtClean="0"/>
-              <a:t>28/07/2025</a:t>
+              <a:t>02/08/2025</a:t>
             </a:fld>
             <a:endParaRPr lang="pt-BR"/>
           </a:p>
@@ -7778,6 +8291,831 @@
         <p:spPr>
           <a:xfrm>
             <a:off x="118997" y="302516"/>
+            <a:ext cx="5217091" cy="523220"/>
+          </a:xfrm>
+          <a:prstGeom prst="rect">
+            <a:avLst/>
+          </a:prstGeom>
+          <a:noFill/>
+        </p:spPr>
+        <p:txBody>
+          <a:bodyPr wrap="square" rtlCol="0">
+            <a:spAutoFit/>
+          </a:bodyPr>
+          <a:lstStyle/>
+          <a:p>
+            <a:pPr algn="ctr"/>
+            <a:r>
+              <a:rPr lang="pt-BR" sz="2800" dirty="0">
+                <a:latin typeface="Montserrat Black" pitchFamily="2" charset="0"/>
+              </a:rPr>
+              <a:t>Modelagem Preditiva</a:t>
+            </a:r>
+          </a:p>
+        </p:txBody>
+      </p:sp>
+      <p:sp>
+        <p:nvSpPr>
+          <p:cNvPr id="10" name="CaixaDeTexto 9">
+            <a:extLst>
+              <a:ext uri="{FF2B5EF4-FFF2-40B4-BE49-F238E27FC236}">
+                <a16:creationId xmlns:a16="http://schemas.microsoft.com/office/drawing/2014/main" id="{96CFC10A-E015-B8E8-0B41-BA3CAB836DDD}"/>
+              </a:ext>
+            </a:extLst>
+          </p:cNvPr>
+          <p:cNvSpPr txBox="1"/>
+          <p:nvPr/>
+        </p:nvSpPr>
+        <p:spPr>
+          <a:xfrm>
+            <a:off x="688931" y="1369722"/>
+            <a:ext cx="3294345" cy="369332"/>
+          </a:xfrm>
+          <a:prstGeom prst="rect">
+            <a:avLst/>
+          </a:prstGeom>
+          <a:noFill/>
+        </p:spPr>
+        <p:txBody>
+          <a:bodyPr wrap="square" rtlCol="0">
+            <a:spAutoFit/>
+          </a:bodyPr>
+          <a:lstStyle/>
+          <a:p>
+            <a:pPr algn="ctr"/>
+            <a:r>
+              <a:rPr lang="pt-BR" dirty="0">
+                <a:latin typeface="Montserrat SemiBold" pitchFamily="2" charset="0"/>
+              </a:rPr>
+              <a:t>Métricas de desempenho</a:t>
+            </a:r>
+          </a:p>
+        </p:txBody>
+      </p:sp>
+      <p:grpSp>
+        <p:nvGrpSpPr>
+          <p:cNvPr id="13" name="Agrupar 12">
+            <a:extLst>
+              <a:ext uri="{FF2B5EF4-FFF2-40B4-BE49-F238E27FC236}">
+                <a16:creationId xmlns:a16="http://schemas.microsoft.com/office/drawing/2014/main" id="{951D17C5-9491-7305-A1E1-D90579B71567}"/>
+              </a:ext>
+            </a:extLst>
+          </p:cNvPr>
+          <p:cNvGrpSpPr/>
+          <p:nvPr/>
+        </p:nvGrpSpPr>
+        <p:grpSpPr>
+          <a:xfrm>
+            <a:off x="118997" y="1997887"/>
+            <a:ext cx="1747381" cy="369332"/>
+            <a:chOff x="118997" y="1764130"/>
+            <a:chExt cx="1747381" cy="369332"/>
+          </a:xfrm>
+        </p:grpSpPr>
+        <p:sp>
+          <p:nvSpPr>
+            <p:cNvPr id="11" name="CaixaDeTexto 10">
+              <a:extLst>
+                <a:ext uri="{FF2B5EF4-FFF2-40B4-BE49-F238E27FC236}">
+                  <a16:creationId xmlns:a16="http://schemas.microsoft.com/office/drawing/2014/main" id="{F10DA602-8DDA-5E30-B8CA-FDBB15071752}"/>
+                </a:ext>
+              </a:extLst>
+            </p:cNvPr>
+            <p:cNvSpPr txBox="1"/>
+            <p:nvPr/>
+          </p:nvSpPr>
+          <p:spPr>
+            <a:xfrm>
+              <a:off x="118997" y="1764130"/>
+              <a:ext cx="1121080" cy="369332"/>
+            </a:xfrm>
+            <a:prstGeom prst="rect">
+              <a:avLst/>
+            </a:prstGeom>
+            <a:noFill/>
+          </p:spPr>
+          <p:txBody>
+            <a:bodyPr wrap="square" rtlCol="0">
+              <a:spAutoFit/>
+            </a:bodyPr>
+            <a:lstStyle/>
+            <a:p>
+              <a:r>
+                <a:rPr lang="pt-BR" dirty="0"/>
+                <a:t>Acurácia:</a:t>
+              </a:r>
+            </a:p>
+          </p:txBody>
+        </p:sp>
+        <p:sp>
+          <p:nvSpPr>
+            <p:cNvPr id="12" name="CaixaDeTexto 11">
+              <a:extLst>
+                <a:ext uri="{FF2B5EF4-FFF2-40B4-BE49-F238E27FC236}">
+                  <a16:creationId xmlns:a16="http://schemas.microsoft.com/office/drawing/2014/main" id="{28404A8C-2199-1946-82DD-FC439C5EB714}"/>
+                </a:ext>
+              </a:extLst>
+            </p:cNvPr>
+            <p:cNvSpPr txBox="1"/>
+            <p:nvPr/>
+          </p:nvSpPr>
+          <p:spPr>
+            <a:xfrm>
+              <a:off x="1240077" y="1764130"/>
+              <a:ext cx="626301" cy="369332"/>
+            </a:xfrm>
+            <a:prstGeom prst="rect">
+              <a:avLst/>
+            </a:prstGeom>
+            <a:noFill/>
+          </p:spPr>
+          <p:txBody>
+            <a:bodyPr wrap="square" rtlCol="0">
+              <a:spAutoFit/>
+            </a:bodyPr>
+            <a:lstStyle/>
+            <a:p>
+              <a:r>
+                <a:rPr lang="pt-BR" dirty="0"/>
+                <a:t>75%</a:t>
+              </a:r>
+            </a:p>
+          </p:txBody>
+        </p:sp>
+      </p:grpSp>
+      <p:grpSp>
+        <p:nvGrpSpPr>
+          <p:cNvPr id="20" name="Agrupar 19">
+            <a:extLst>
+              <a:ext uri="{FF2B5EF4-FFF2-40B4-BE49-F238E27FC236}">
+                <a16:creationId xmlns:a16="http://schemas.microsoft.com/office/drawing/2014/main" id="{0C3EA017-D67E-F255-87C2-803C2C970F7F}"/>
+              </a:ext>
+            </a:extLst>
+          </p:cNvPr>
+          <p:cNvGrpSpPr/>
+          <p:nvPr/>
+        </p:nvGrpSpPr>
+        <p:grpSpPr>
+          <a:xfrm>
+            <a:off x="118997" y="2629234"/>
+            <a:ext cx="2278796" cy="372514"/>
+            <a:chOff x="118997" y="1764130"/>
+            <a:chExt cx="1133305" cy="372514"/>
+          </a:xfrm>
+        </p:grpSpPr>
+        <p:sp>
+          <p:nvSpPr>
+            <p:cNvPr id="21" name="CaixaDeTexto 20">
+              <a:extLst>
+                <a:ext uri="{FF2B5EF4-FFF2-40B4-BE49-F238E27FC236}">
+                  <a16:creationId xmlns:a16="http://schemas.microsoft.com/office/drawing/2014/main" id="{EA7EAAC3-7D4E-4339-B3D3-9CFCF62517B5}"/>
+                </a:ext>
+              </a:extLst>
+            </p:cNvPr>
+            <p:cNvSpPr txBox="1"/>
+            <p:nvPr/>
+          </p:nvSpPr>
+          <p:spPr>
+            <a:xfrm>
+              <a:off x="118997" y="1764130"/>
+              <a:ext cx="1121080" cy="369332"/>
+            </a:xfrm>
+            <a:prstGeom prst="rect">
+              <a:avLst/>
+            </a:prstGeom>
+            <a:noFill/>
+          </p:spPr>
+          <p:txBody>
+            <a:bodyPr wrap="square" rtlCol="0">
+              <a:spAutoFit/>
+            </a:bodyPr>
+            <a:lstStyle/>
+            <a:p>
+              <a:r>
+                <a:rPr lang="pt-BR" dirty="0"/>
+                <a:t>Recall (</a:t>
+              </a:r>
+              <a:r>
+                <a:rPr lang="pt-BR" dirty="0" err="1"/>
+                <a:t>Churn</a:t>
+              </a:r>
+              <a:r>
+                <a:rPr lang="pt-BR" dirty="0"/>
+                <a:t>):</a:t>
+              </a:r>
+            </a:p>
+          </p:txBody>
+        </p:sp>
+        <p:sp>
+          <p:nvSpPr>
+            <p:cNvPr id="22" name="CaixaDeTexto 21">
+              <a:extLst>
+                <a:ext uri="{FF2B5EF4-FFF2-40B4-BE49-F238E27FC236}">
+                  <a16:creationId xmlns:a16="http://schemas.microsoft.com/office/drawing/2014/main" id="{B9F9FC72-0F74-E127-19BF-2E2DA7D60671}"/>
+                </a:ext>
+              </a:extLst>
+            </p:cNvPr>
+            <p:cNvSpPr txBox="1"/>
+            <p:nvPr/>
+          </p:nvSpPr>
+          <p:spPr>
+            <a:xfrm>
+              <a:off x="922137" y="1767312"/>
+              <a:ext cx="330165" cy="369332"/>
+            </a:xfrm>
+            <a:prstGeom prst="rect">
+              <a:avLst/>
+            </a:prstGeom>
+            <a:noFill/>
+          </p:spPr>
+          <p:txBody>
+            <a:bodyPr wrap="square" rtlCol="0">
+              <a:spAutoFit/>
+            </a:bodyPr>
+            <a:lstStyle/>
+            <a:p>
+              <a:r>
+                <a:rPr lang="pt-BR" dirty="0"/>
+                <a:t>75%</a:t>
+              </a:r>
+            </a:p>
+          </p:txBody>
+        </p:sp>
+      </p:grpSp>
+      <p:grpSp>
+        <p:nvGrpSpPr>
+          <p:cNvPr id="23" name="Agrupar 22">
+            <a:extLst>
+              <a:ext uri="{FF2B5EF4-FFF2-40B4-BE49-F238E27FC236}">
+                <a16:creationId xmlns:a16="http://schemas.microsoft.com/office/drawing/2014/main" id="{466CE996-C900-E31A-4683-F3CCF21347D0}"/>
+              </a:ext>
+            </a:extLst>
+          </p:cNvPr>
+          <p:cNvGrpSpPr/>
+          <p:nvPr/>
+        </p:nvGrpSpPr>
+        <p:grpSpPr>
+          <a:xfrm>
+            <a:off x="118997" y="3393055"/>
+            <a:ext cx="2943616" cy="372514"/>
+            <a:chOff x="118997" y="1760948"/>
+            <a:chExt cx="1121080" cy="372514"/>
+          </a:xfrm>
+        </p:grpSpPr>
+        <p:sp>
+          <p:nvSpPr>
+            <p:cNvPr id="24" name="CaixaDeTexto 23">
+              <a:extLst>
+                <a:ext uri="{FF2B5EF4-FFF2-40B4-BE49-F238E27FC236}">
+                  <a16:creationId xmlns:a16="http://schemas.microsoft.com/office/drawing/2014/main" id="{963DEF39-AFF4-F8EB-0008-944083085CDB}"/>
+                </a:ext>
+              </a:extLst>
+            </p:cNvPr>
+            <p:cNvSpPr txBox="1"/>
+            <p:nvPr/>
+          </p:nvSpPr>
+          <p:spPr>
+            <a:xfrm>
+              <a:off x="118997" y="1764130"/>
+              <a:ext cx="1121080" cy="369332"/>
+            </a:xfrm>
+            <a:prstGeom prst="rect">
+              <a:avLst/>
+            </a:prstGeom>
+            <a:noFill/>
+          </p:spPr>
+          <p:txBody>
+            <a:bodyPr wrap="square" rtlCol="0">
+              <a:spAutoFit/>
+            </a:bodyPr>
+            <a:lstStyle/>
+            <a:p>
+              <a:r>
+                <a:rPr lang="pt-BR" dirty="0"/>
+                <a:t>Precisão(</a:t>
+              </a:r>
+              <a:r>
+                <a:rPr lang="pt-BR" dirty="0" err="1"/>
+                <a:t>Churn</a:t>
+              </a:r>
+              <a:r>
+                <a:rPr lang="pt-BR" dirty="0"/>
+                <a:t>):</a:t>
+              </a:r>
+            </a:p>
+          </p:txBody>
+        </p:sp>
+        <p:sp>
+          <p:nvSpPr>
+            <p:cNvPr id="25" name="CaixaDeTexto 24">
+              <a:extLst>
+                <a:ext uri="{FF2B5EF4-FFF2-40B4-BE49-F238E27FC236}">
+                  <a16:creationId xmlns:a16="http://schemas.microsoft.com/office/drawing/2014/main" id="{E1B78138-01CC-7FFD-F557-4DAA00CE82EA}"/>
+                </a:ext>
+              </a:extLst>
+            </p:cNvPr>
+            <p:cNvSpPr txBox="1"/>
+            <p:nvPr/>
+          </p:nvSpPr>
+          <p:spPr>
+            <a:xfrm>
+              <a:off x="822933" y="1760948"/>
+              <a:ext cx="330165" cy="369332"/>
+            </a:xfrm>
+            <a:prstGeom prst="rect">
+              <a:avLst/>
+            </a:prstGeom>
+            <a:noFill/>
+          </p:spPr>
+          <p:txBody>
+            <a:bodyPr wrap="square" rtlCol="0">
+              <a:spAutoFit/>
+            </a:bodyPr>
+            <a:lstStyle/>
+            <a:p>
+              <a:r>
+                <a:rPr lang="pt-BR" dirty="0"/>
+                <a:t>52%</a:t>
+              </a:r>
+            </a:p>
+          </p:txBody>
+        </p:sp>
+      </p:grpSp>
+      <p:grpSp>
+        <p:nvGrpSpPr>
+          <p:cNvPr id="26" name="Agrupar 25">
+            <a:extLst>
+              <a:ext uri="{FF2B5EF4-FFF2-40B4-BE49-F238E27FC236}">
+                <a16:creationId xmlns:a16="http://schemas.microsoft.com/office/drawing/2014/main" id="{4D1109E5-BEFA-A796-ACA7-84040C5CD199}"/>
+              </a:ext>
+            </a:extLst>
+          </p:cNvPr>
+          <p:cNvGrpSpPr/>
+          <p:nvPr/>
+        </p:nvGrpSpPr>
+        <p:grpSpPr>
+          <a:xfrm>
+            <a:off x="118997" y="4112270"/>
+            <a:ext cx="2943616" cy="372514"/>
+            <a:chOff x="118997" y="1760948"/>
+            <a:chExt cx="1121080" cy="372514"/>
+          </a:xfrm>
+        </p:grpSpPr>
+        <p:sp>
+          <p:nvSpPr>
+            <p:cNvPr id="27" name="CaixaDeTexto 26">
+              <a:extLst>
+                <a:ext uri="{FF2B5EF4-FFF2-40B4-BE49-F238E27FC236}">
+                  <a16:creationId xmlns:a16="http://schemas.microsoft.com/office/drawing/2014/main" id="{D1863588-52D2-BA02-CC03-C6E263AB1559}"/>
+                </a:ext>
+              </a:extLst>
+            </p:cNvPr>
+            <p:cNvSpPr txBox="1"/>
+            <p:nvPr/>
+          </p:nvSpPr>
+          <p:spPr>
+            <a:xfrm>
+              <a:off x="118997" y="1764130"/>
+              <a:ext cx="1121080" cy="369332"/>
+            </a:xfrm>
+            <a:prstGeom prst="rect">
+              <a:avLst/>
+            </a:prstGeom>
+            <a:noFill/>
+          </p:spPr>
+          <p:txBody>
+            <a:bodyPr wrap="square" rtlCol="0">
+              <a:spAutoFit/>
+            </a:bodyPr>
+            <a:lstStyle/>
+            <a:p>
+              <a:r>
+                <a:rPr lang="pt-BR" dirty="0"/>
+                <a:t>F1-Score(</a:t>
+              </a:r>
+              <a:r>
+                <a:rPr lang="pt-BR" dirty="0" err="1"/>
+                <a:t>Churn</a:t>
+              </a:r>
+              <a:r>
+                <a:rPr lang="pt-BR" dirty="0"/>
+                <a:t>):</a:t>
+              </a:r>
+            </a:p>
+          </p:txBody>
+        </p:sp>
+        <p:sp>
+          <p:nvSpPr>
+            <p:cNvPr id="28" name="CaixaDeTexto 27">
+              <a:extLst>
+                <a:ext uri="{FF2B5EF4-FFF2-40B4-BE49-F238E27FC236}">
+                  <a16:creationId xmlns:a16="http://schemas.microsoft.com/office/drawing/2014/main" id="{9DC8DA8F-CD37-EA4F-D1C8-875071CEB359}"/>
+                </a:ext>
+              </a:extLst>
+            </p:cNvPr>
+            <p:cNvSpPr txBox="1"/>
+            <p:nvPr/>
+          </p:nvSpPr>
+          <p:spPr>
+            <a:xfrm>
+              <a:off x="822933" y="1760948"/>
+              <a:ext cx="330165" cy="369332"/>
+            </a:xfrm>
+            <a:prstGeom prst="rect">
+              <a:avLst/>
+            </a:prstGeom>
+            <a:noFill/>
+          </p:spPr>
+          <p:txBody>
+            <a:bodyPr wrap="square" rtlCol="0">
+              <a:spAutoFit/>
+            </a:bodyPr>
+            <a:lstStyle/>
+            <a:p>
+              <a:r>
+                <a:rPr lang="pt-BR" dirty="0"/>
+                <a:t>61%</a:t>
+              </a:r>
+            </a:p>
+          </p:txBody>
+        </p:sp>
+      </p:grpSp>
+      <p:sp>
+        <p:nvSpPr>
+          <p:cNvPr id="29" name="CaixaDeTexto 28">
+            <a:extLst>
+              <a:ext uri="{FF2B5EF4-FFF2-40B4-BE49-F238E27FC236}">
+                <a16:creationId xmlns:a16="http://schemas.microsoft.com/office/drawing/2014/main" id="{DE8F91CE-6194-27F0-EF93-06445C92B2F6}"/>
+              </a:ext>
+            </a:extLst>
+          </p:cNvPr>
+          <p:cNvSpPr txBox="1"/>
+          <p:nvPr/>
+        </p:nvSpPr>
+        <p:spPr>
+          <a:xfrm>
+            <a:off x="107204" y="4834667"/>
+            <a:ext cx="3720230" cy="923330"/>
+          </a:xfrm>
+          <a:prstGeom prst="rect">
+            <a:avLst/>
+          </a:prstGeom>
+          <a:noFill/>
+        </p:spPr>
+        <p:txBody>
+          <a:bodyPr wrap="square" rtlCol="0">
+            <a:spAutoFit/>
+          </a:bodyPr>
+          <a:lstStyle/>
+          <a:p>
+            <a:r>
+              <a:rPr lang="pt-BR" dirty="0">
+                <a:latin typeface="Montserrat Medium" pitchFamily="2" charset="0"/>
+              </a:rPr>
+              <a:t>O modelo identifica 3 a cada 4 clientes em risco, possui bom equilíbrio entre acerto e erro</a:t>
+            </a:r>
+          </a:p>
+        </p:txBody>
+      </p:sp>
+      <p:sp>
+        <p:nvSpPr>
+          <p:cNvPr id="30" name="CaixaDeTexto 29">
+            <a:extLst>
+              <a:ext uri="{FF2B5EF4-FFF2-40B4-BE49-F238E27FC236}">
+                <a16:creationId xmlns:a16="http://schemas.microsoft.com/office/drawing/2014/main" id="{DB7826D0-FE30-A297-8E39-B68CC84B8BAD}"/>
+              </a:ext>
+            </a:extLst>
+          </p:cNvPr>
+          <p:cNvSpPr txBox="1"/>
+          <p:nvPr/>
+        </p:nvSpPr>
+        <p:spPr>
+          <a:xfrm>
+            <a:off x="6351429" y="1166890"/>
+            <a:ext cx="4895590" cy="1200329"/>
+          </a:xfrm>
+          <a:prstGeom prst="rect">
+            <a:avLst/>
+          </a:prstGeom>
+          <a:noFill/>
+        </p:spPr>
+        <p:txBody>
+          <a:bodyPr wrap="square" rtlCol="0">
+            <a:spAutoFit/>
+          </a:bodyPr>
+          <a:lstStyle/>
+          <a:p>
+            <a:pPr algn="ctr"/>
+            <a:r>
+              <a:rPr lang="pt-BR" dirty="0">
+                <a:latin typeface="Montserrat SemiBold" pitchFamily="2" charset="0"/>
+              </a:rPr>
+              <a:t>O modelo foi calibrado em prol do recall da classe 1 (</a:t>
+            </a:r>
+            <a:r>
+              <a:rPr lang="pt-BR" dirty="0" err="1">
+                <a:latin typeface="Montserrat SemiBold" pitchFamily="2" charset="0"/>
+              </a:rPr>
+              <a:t>Churn</a:t>
+            </a:r>
+            <a:r>
+              <a:rPr lang="pt-BR" dirty="0">
+                <a:latin typeface="Montserrat SemiBold" pitchFamily="2" charset="0"/>
+              </a:rPr>
+              <a:t>), a fim da identificação de clientes </a:t>
+            </a:r>
+            <a:r>
+              <a:rPr lang="pt-BR" dirty="0" err="1">
+                <a:latin typeface="Montserrat SemiBold" pitchFamily="2" charset="0"/>
+              </a:rPr>
+              <a:t>churn</a:t>
+            </a:r>
+            <a:r>
+              <a:rPr lang="pt-BR" dirty="0">
+                <a:latin typeface="Montserrat SemiBold" pitchFamily="2" charset="0"/>
+              </a:rPr>
+              <a:t>, possibilizando ações preventivas </a:t>
+            </a:r>
+          </a:p>
+        </p:txBody>
+      </p:sp>
+      <p:graphicFrame>
+        <p:nvGraphicFramePr>
+          <p:cNvPr id="33" name="Gráfico 32">
+            <a:extLst>
+              <a:ext uri="{FF2B5EF4-FFF2-40B4-BE49-F238E27FC236}">
+                <a16:creationId xmlns:a16="http://schemas.microsoft.com/office/drawing/2014/main" id="{3E7E498F-214D-18A3-F70D-1CE6EB4C76DB}"/>
+              </a:ext>
+            </a:extLst>
+          </p:cNvPr>
+          <p:cNvGraphicFramePr/>
+          <p:nvPr>
+            <p:extLst>
+              <p:ext uri="{D42A27DB-BD31-4B8C-83A1-F6EECF244321}">
+                <p14:modId xmlns:p14="http://schemas.microsoft.com/office/powerpoint/2010/main" val="3204291979"/>
+              </p:ext>
+            </p:extLst>
+          </p:nvPr>
+        </p:nvGraphicFramePr>
+        <p:xfrm>
+          <a:off x="5675756" y="2718066"/>
+          <a:ext cx="6011027" cy="3532422"/>
+        </p:xfrm>
+        <a:graphic>
+          <a:graphicData uri="http://schemas.openxmlformats.org/drawingml/2006/chart">
+            <c:chart xmlns:c="http://schemas.openxmlformats.org/drawingml/2006/chart" xmlns:r="http://schemas.openxmlformats.org/officeDocument/2006/relationships" r:id="rId2"/>
+          </a:graphicData>
+        </a:graphic>
+      </p:graphicFrame>
+      <p:sp>
+        <p:nvSpPr>
+          <p:cNvPr id="34" name="CaixaDeTexto 33">
+            <a:extLst>
+              <a:ext uri="{FF2B5EF4-FFF2-40B4-BE49-F238E27FC236}">
+                <a16:creationId xmlns:a16="http://schemas.microsoft.com/office/drawing/2014/main" id="{342C2443-9A26-C90E-897F-FE257B44157C}"/>
+              </a:ext>
+            </a:extLst>
+          </p:cNvPr>
+          <p:cNvSpPr txBox="1"/>
+          <p:nvPr/>
+        </p:nvSpPr>
+        <p:spPr>
+          <a:xfrm>
+            <a:off x="5971839" y="6250488"/>
+            <a:ext cx="759180" cy="307777"/>
+          </a:xfrm>
+          <a:prstGeom prst="rect">
+            <a:avLst/>
+          </a:prstGeom>
+          <a:noFill/>
+        </p:spPr>
+        <p:txBody>
+          <a:bodyPr wrap="square" rtlCol="0">
+            <a:spAutoFit/>
+          </a:bodyPr>
+          <a:lstStyle/>
+          <a:p>
+            <a:r>
+              <a:rPr lang="pt-BR" sz="1400" dirty="0" err="1">
+                <a:latin typeface="Montserrat SemiBold" pitchFamily="2" charset="0"/>
+              </a:rPr>
+              <a:t>Churn</a:t>
+            </a:r>
+            <a:endParaRPr lang="pt-BR" sz="1400" dirty="0">
+              <a:latin typeface="Montserrat SemiBold" pitchFamily="2" charset="0"/>
+            </a:endParaRPr>
+          </a:p>
+        </p:txBody>
+      </p:sp>
+      <p:sp>
+        <p:nvSpPr>
+          <p:cNvPr id="35" name="CaixaDeTexto 34">
+            <a:extLst>
+              <a:ext uri="{FF2B5EF4-FFF2-40B4-BE49-F238E27FC236}">
+                <a16:creationId xmlns:a16="http://schemas.microsoft.com/office/drawing/2014/main" id="{AFD8DCB9-930B-7B93-F1CF-BBCA82CEB78D}"/>
+              </a:ext>
+            </a:extLst>
+          </p:cNvPr>
+          <p:cNvSpPr txBox="1"/>
+          <p:nvPr/>
+        </p:nvSpPr>
+        <p:spPr>
+          <a:xfrm>
+            <a:off x="8681269" y="6246466"/>
+            <a:ext cx="1552679" cy="307777"/>
+          </a:xfrm>
+          <a:prstGeom prst="rect">
+            <a:avLst/>
+          </a:prstGeom>
+          <a:noFill/>
+        </p:spPr>
+        <p:txBody>
+          <a:bodyPr wrap="square" rtlCol="0">
+            <a:spAutoFit/>
+          </a:bodyPr>
+          <a:lstStyle/>
+          <a:p>
+            <a:pPr algn="ctr"/>
+            <a:r>
+              <a:rPr lang="pt-BR" sz="1400" dirty="0">
+                <a:latin typeface="Montserrat SemiBold" pitchFamily="2" charset="0"/>
+              </a:rPr>
+              <a:t>Clientes Ativos</a:t>
+            </a:r>
+          </a:p>
+        </p:txBody>
+      </p:sp>
+      <p:sp>
+        <p:nvSpPr>
+          <p:cNvPr id="36" name="CaixaDeTexto 35">
+            <a:extLst>
+              <a:ext uri="{FF2B5EF4-FFF2-40B4-BE49-F238E27FC236}">
+                <a16:creationId xmlns:a16="http://schemas.microsoft.com/office/drawing/2014/main" id="{8BB492D4-EBBD-37FB-57F9-EE90529C053D}"/>
+              </a:ext>
+            </a:extLst>
+          </p:cNvPr>
+          <p:cNvSpPr txBox="1"/>
+          <p:nvPr/>
+        </p:nvSpPr>
+        <p:spPr>
+          <a:xfrm>
+            <a:off x="6096000" y="2813900"/>
+            <a:ext cx="701458" cy="338554"/>
+          </a:xfrm>
+          <a:prstGeom prst="rect">
+            <a:avLst/>
+          </a:prstGeom>
+          <a:noFill/>
+        </p:spPr>
+        <p:txBody>
+          <a:bodyPr wrap="square" rtlCol="0">
+            <a:spAutoFit/>
+          </a:bodyPr>
+          <a:lstStyle/>
+          <a:p>
+            <a:r>
+              <a:rPr lang="pt-BR" sz="1600" dirty="0">
+                <a:latin typeface="Montserrat SemiBold" pitchFamily="2" charset="0"/>
+              </a:rPr>
+              <a:t>0.75</a:t>
+            </a:r>
+          </a:p>
+        </p:txBody>
+      </p:sp>
+      <p:sp>
+        <p:nvSpPr>
+          <p:cNvPr id="37" name="CaixaDeTexto 36">
+            <a:extLst>
+              <a:ext uri="{FF2B5EF4-FFF2-40B4-BE49-F238E27FC236}">
+                <a16:creationId xmlns:a16="http://schemas.microsoft.com/office/drawing/2014/main" id="{58AD0A2A-BEBD-C04C-F24A-FF769C78FB60}"/>
+              </a:ext>
+            </a:extLst>
+          </p:cNvPr>
+          <p:cNvSpPr txBox="1"/>
+          <p:nvPr/>
+        </p:nvSpPr>
+        <p:spPr>
+          <a:xfrm>
+            <a:off x="9106879" y="2813900"/>
+            <a:ext cx="701458" cy="338554"/>
+          </a:xfrm>
+          <a:prstGeom prst="rect">
+            <a:avLst/>
+          </a:prstGeom>
+          <a:noFill/>
+        </p:spPr>
+        <p:txBody>
+          <a:bodyPr wrap="square" rtlCol="0">
+            <a:spAutoFit/>
+          </a:bodyPr>
+          <a:lstStyle/>
+          <a:p>
+            <a:r>
+              <a:rPr lang="pt-BR" sz="1600" dirty="0">
+                <a:latin typeface="Montserrat SemiBold" pitchFamily="2" charset="0"/>
+              </a:rPr>
+              <a:t>0.75</a:t>
+            </a:r>
+          </a:p>
+        </p:txBody>
+      </p:sp>
+    </p:spTree>
+    <p:extLst>
+      <p:ext uri="{BB962C8B-B14F-4D97-AF65-F5344CB8AC3E}">
+        <p14:creationId xmlns:p14="http://schemas.microsoft.com/office/powerpoint/2010/main" val="4082610976"/>
+      </p:ext>
+    </p:extLst>
+  </p:cSld>
+  <p:clrMapOvr>
+    <a:masterClrMapping/>
+  </p:clrMapOvr>
+</p:sld>
+</file>
+
+<file path=ppt/slides/slide11.xml><?xml version="1.0" encoding="utf-8"?>
+<p:sld xmlns:a="http://schemas.openxmlformats.org/drawingml/2006/main" xmlns:r="http://schemas.openxmlformats.org/officeDocument/2006/relationships" xmlns:p="http://schemas.openxmlformats.org/presentationml/2006/main">
+  <p:cSld>
+    <p:spTree>
+      <p:nvGrpSpPr>
+        <p:cNvPr id="1" name=""/>
+        <p:cNvGrpSpPr/>
+        <p:nvPr/>
+      </p:nvGrpSpPr>
+      <p:grpSpPr>
+        <a:xfrm>
+          <a:off x="0" y="0"/>
+          <a:ext cx="0" cy="0"/>
+          <a:chOff x="0" y="0"/>
+          <a:chExt cx="0" cy="0"/>
+        </a:xfrm>
+      </p:grpSpPr>
+      <p:sp>
+        <p:nvSpPr>
+          <p:cNvPr id="2" name="Retângulo 1">
+            <a:extLst>
+              <a:ext uri="{FF2B5EF4-FFF2-40B4-BE49-F238E27FC236}">
+                <a16:creationId xmlns:a16="http://schemas.microsoft.com/office/drawing/2014/main" id="{AF3EDC6E-67AD-A36C-96D9-50FD8FB317EE}"/>
+              </a:ext>
+            </a:extLst>
+          </p:cNvPr>
+          <p:cNvSpPr/>
+          <p:nvPr/>
+        </p:nvSpPr>
+        <p:spPr>
+          <a:xfrm>
+            <a:off x="0" y="0"/>
+            <a:ext cx="12192000" cy="6858000"/>
+          </a:xfrm>
+          <a:prstGeom prst="rect">
+            <a:avLst/>
+          </a:prstGeom>
+          <a:solidFill>
+            <a:srgbClr val="F9FAFB"/>
+          </a:solidFill>
+          <a:ln>
+            <a:noFill/>
+          </a:ln>
+        </p:spPr>
+        <p:style>
+          <a:lnRef idx="2">
+            <a:schemeClr val="accent1">
+              <a:shade val="15000"/>
+            </a:schemeClr>
+          </a:lnRef>
+          <a:fillRef idx="1">
+            <a:schemeClr val="accent1"/>
+          </a:fillRef>
+          <a:effectRef idx="0">
+            <a:schemeClr val="accent1"/>
+          </a:effectRef>
+          <a:fontRef idx="minor">
+            <a:schemeClr val="lt1"/>
+          </a:fontRef>
+        </p:style>
+        <p:txBody>
+          <a:bodyPr rtlCol="0" anchor="ctr"/>
+          <a:lstStyle/>
+          <a:p>
+            <a:pPr algn="ctr"/>
+            <a:endParaRPr lang="pt-BR" dirty="0"/>
+          </a:p>
+        </p:txBody>
+      </p:sp>
+      <p:sp>
+        <p:nvSpPr>
+          <p:cNvPr id="4" name="CaixaDeTexto 3">
+            <a:extLst>
+              <a:ext uri="{FF2B5EF4-FFF2-40B4-BE49-F238E27FC236}">
+                <a16:creationId xmlns:a16="http://schemas.microsoft.com/office/drawing/2014/main" id="{66FE5C8D-6829-9C8C-0D37-52B3BDD63935}"/>
+              </a:ext>
+            </a:extLst>
+          </p:cNvPr>
+          <p:cNvSpPr txBox="1"/>
+          <p:nvPr/>
+        </p:nvSpPr>
+        <p:spPr>
+          <a:xfrm>
+            <a:off x="118997" y="302516"/>
             <a:ext cx="5217091" cy="584775"/>
           </a:xfrm>
           <a:prstGeom prst="rect">
@@ -7801,8 +9139,8 @@
           </a:p>
         </p:txBody>
       </p:sp>
-      <mc:AlternateContent xmlns:mc="http://schemas.openxmlformats.org/markup-compatibility/2006" xmlns:we="http://schemas.microsoft.com/office/webextensions/webextension/2010/11" xmlns:pca="http://schemas.microsoft.com/office/powerpoint/2013/contentapp">
-        <mc:Choice Requires="we pca">
+      <mc:AlternateContent xmlns:mc="http://schemas.openxmlformats.org/markup-compatibility/2006">
+        <mc:Choice xmlns:we="http://schemas.microsoft.com/office/webextensions/webextension/2010/11" xmlns:pca="http://schemas.microsoft.com/office/powerpoint/2013/contentapp" Requires="we pca">
           <p:graphicFrame>
             <p:nvGraphicFramePr>
               <p:cNvPr id="3" name="Suplemento 2">
@@ -7834,7 +9172,7 @@
             </a:graphic>
           </p:graphicFrame>
         </mc:Choice>
-        <mc:Fallback xmlns="">
+        <mc:Fallback>
           <p:pic>
             <p:nvPicPr>
               <p:cNvPr id="3" name="Suplemento 2">
@@ -7880,7 +9218,7 @@
 </p:sld>
 </file>
 
-<file path=ppt/slides/slide11.xml><?xml version="1.0" encoding="utf-8"?>
+<file path=ppt/slides/slide12.xml><?xml version="1.0" encoding="utf-8"?>
 <p:sld xmlns:a="http://schemas.openxmlformats.org/drawingml/2006/main" xmlns:r="http://schemas.openxmlformats.org/officeDocument/2006/relationships" xmlns:p="http://schemas.openxmlformats.org/presentationml/2006/main">
   <p:cSld>
     <p:spTree>
@@ -7897,8 +9235,8 @@
           <a:chExt cx="0" cy="0"/>
         </a:xfrm>
       </p:grpSpPr>
-      <mc:AlternateContent xmlns:mc="http://schemas.openxmlformats.org/markup-compatibility/2006" xmlns:we="http://schemas.microsoft.com/office/webextensions/webextension/2010/11" xmlns:pca="http://schemas.microsoft.com/office/powerpoint/2013/contentapp">
-        <mc:Choice Requires="we pca">
+      <mc:AlternateContent xmlns:mc="http://schemas.openxmlformats.org/markup-compatibility/2006">
+        <mc:Choice xmlns:we="http://schemas.microsoft.com/office/webextensions/webextension/2010/11" xmlns:pca="http://schemas.microsoft.com/office/powerpoint/2013/contentapp" Requires="we pca">
           <p:graphicFrame>
             <p:nvGraphicFramePr>
               <p:cNvPr id="2" name="Suplemento 1">
@@ -7930,7 +9268,7 @@
             </a:graphic>
           </p:graphicFrame>
         </mc:Choice>
-        <mc:Fallback xmlns="">
+        <mc:Fallback>
           <p:pic>
             <p:nvPicPr>
               <p:cNvPr id="2" name="Suplemento 1">
@@ -7976,7 +9314,7 @@
 </p:sld>
 </file>
 
-<file path=ppt/slides/slide12.xml><?xml version="1.0" encoding="utf-8"?>
+<file path=ppt/slides/slide13.xml><?xml version="1.0" encoding="utf-8"?>
 <p:sld xmlns:a="http://schemas.openxmlformats.org/drawingml/2006/main" xmlns:r="http://schemas.openxmlformats.org/officeDocument/2006/relationships" xmlns:p="http://schemas.openxmlformats.org/presentationml/2006/main">
   <p:cSld>
     <p:spTree>
@@ -8691,49 +10029,12 @@
           </p:txBody>
         </p:sp>
       </p:grpSp>
-      <p:sp>
-        <p:nvSpPr>
-          <p:cNvPr id="22" name="CaixaDeTexto 21">
-            <a:extLst>
-              <a:ext uri="{FF2B5EF4-FFF2-40B4-BE49-F238E27FC236}">
-                <a16:creationId xmlns:a16="http://schemas.microsoft.com/office/drawing/2014/main" id="{16CD0844-AEFA-4F7D-6170-4DC0AB55AA9D}"/>
-              </a:ext>
-            </a:extLst>
-          </p:cNvPr>
-          <p:cNvSpPr txBox="1"/>
-          <p:nvPr/>
-        </p:nvSpPr>
-        <p:spPr>
-          <a:xfrm>
-            <a:off x="6724388" y="4166496"/>
-            <a:ext cx="4546949" cy="923330"/>
-          </a:xfrm>
-          <a:prstGeom prst="rect">
-            <a:avLst/>
-          </a:prstGeom>
-          <a:noFill/>
-        </p:spPr>
-        <p:txBody>
-          <a:bodyPr wrap="square" rtlCol="0">
-            <a:spAutoFit/>
-          </a:bodyPr>
-          <a:lstStyle/>
-          <a:p>
-            <a:r>
-              <a:rPr lang="pt-BR" dirty="0">
-                <a:latin typeface="Montserrat Medium" pitchFamily="2" charset="0"/>
-              </a:rPr>
-              <a:t>Agregar mais valor aos planos com faixa de preço maior será eficiente para maior retenção</a:t>
-            </a:r>
-          </a:p>
-        </p:txBody>
-      </p:sp>
       <p:grpSp>
         <p:nvGrpSpPr>
-          <p:cNvPr id="24" name="Agrupar 23">
-            <a:extLst>
-              <a:ext uri="{FF2B5EF4-FFF2-40B4-BE49-F238E27FC236}">
-                <a16:creationId xmlns:a16="http://schemas.microsoft.com/office/drawing/2014/main" id="{1D41F548-07B6-397B-8645-399B9E9AA725}"/>
+          <p:cNvPr id="15" name="Agrupar 14">
+            <a:extLst>
+              <a:ext uri="{FF2B5EF4-FFF2-40B4-BE49-F238E27FC236}">
+                <a16:creationId xmlns:a16="http://schemas.microsoft.com/office/drawing/2014/main" id="{289682CB-BBFE-1977-1AD6-F36D3CC22DBE}"/>
               </a:ext>
             </a:extLst>
           </p:cNvPr>
@@ -8742,18 +10043,18 @@
         </p:nvGrpSpPr>
         <p:grpSpPr>
           <a:xfrm>
-            <a:off x="6271368" y="3451981"/>
-            <a:ext cx="4999970" cy="646331"/>
+            <a:off x="6271368" y="4975663"/>
+            <a:ext cx="4999970" cy="1637845"/>
             <a:chOff x="6271368" y="3451981"/>
-            <a:chExt cx="4999970" cy="646331"/>
+            <a:chExt cx="4999970" cy="1637845"/>
           </a:xfrm>
         </p:grpSpPr>
         <p:sp>
           <p:nvSpPr>
-            <p:cNvPr id="7" name="CaixaDeTexto 6">
+            <p:cNvPr id="22" name="CaixaDeTexto 21">
               <a:extLst>
                 <a:ext uri="{FF2B5EF4-FFF2-40B4-BE49-F238E27FC236}">
-                  <a16:creationId xmlns:a16="http://schemas.microsoft.com/office/drawing/2014/main" id="{ADB887D8-3A7D-51E7-6A3C-3282A445FD6F}"/>
+                  <a16:creationId xmlns:a16="http://schemas.microsoft.com/office/drawing/2014/main" id="{16CD0844-AEFA-4F7D-6170-4DC0AB55AA9D}"/>
                 </a:ext>
               </a:extLst>
             </p:cNvPr>
@@ -8762,8 +10063,8 @@
           </p:nvSpPr>
           <p:spPr>
             <a:xfrm>
-              <a:off x="6724389" y="3451981"/>
-              <a:ext cx="4546949" cy="646331"/>
+              <a:off x="6724388" y="4166496"/>
+              <a:ext cx="4546949" cy="923330"/>
             </a:xfrm>
             <a:prstGeom prst="rect">
               <a:avLst/>
@@ -8778,19 +10079,135 @@
             <a:p>
               <a:r>
                 <a:rPr lang="pt-BR" dirty="0">
-                  <a:latin typeface="Montserrat SemiBold" pitchFamily="2" charset="0"/>
+                  <a:latin typeface="Montserrat Medium" pitchFamily="2" charset="0"/>
                 </a:rPr>
-                <a:t>Ajuste de preços ou oferecer mais valor nos planos acima R$70</a:t>
+                <a:t>Agregar mais valor aos planos com faixa de preço maior será eficiente para maior retenção</a:t>
               </a:r>
             </a:p>
           </p:txBody>
         </p:sp>
+        <p:grpSp>
+          <p:nvGrpSpPr>
+            <p:cNvPr id="24" name="Agrupar 23">
+              <a:extLst>
+                <a:ext uri="{FF2B5EF4-FFF2-40B4-BE49-F238E27FC236}">
+                  <a16:creationId xmlns:a16="http://schemas.microsoft.com/office/drawing/2014/main" id="{1D41F548-07B6-397B-8645-399B9E9AA725}"/>
+                </a:ext>
+              </a:extLst>
+            </p:cNvPr>
+            <p:cNvGrpSpPr/>
+            <p:nvPr/>
+          </p:nvGrpSpPr>
+          <p:grpSpPr>
+            <a:xfrm>
+              <a:off x="6271368" y="3451981"/>
+              <a:ext cx="4999970" cy="646331"/>
+              <a:chOff x="6271368" y="3451981"/>
+              <a:chExt cx="4999970" cy="646331"/>
+            </a:xfrm>
+          </p:grpSpPr>
+          <p:sp>
+            <p:nvSpPr>
+              <p:cNvPr id="7" name="CaixaDeTexto 6">
+                <a:extLst>
+                  <a:ext uri="{FF2B5EF4-FFF2-40B4-BE49-F238E27FC236}">
+                    <a16:creationId xmlns:a16="http://schemas.microsoft.com/office/drawing/2014/main" id="{ADB887D8-3A7D-51E7-6A3C-3282A445FD6F}"/>
+                  </a:ext>
+                </a:extLst>
+              </p:cNvPr>
+              <p:cNvSpPr txBox="1"/>
+              <p:nvPr/>
+            </p:nvSpPr>
+            <p:spPr>
+              <a:xfrm>
+                <a:off x="6724389" y="3451981"/>
+                <a:ext cx="4546949" cy="646331"/>
+              </a:xfrm>
+              <a:prstGeom prst="rect">
+                <a:avLst/>
+              </a:prstGeom>
+              <a:noFill/>
+            </p:spPr>
+            <p:txBody>
+              <a:bodyPr wrap="square" rtlCol="0">
+                <a:spAutoFit/>
+              </a:bodyPr>
+              <a:lstStyle/>
+              <a:p>
+                <a:r>
+                  <a:rPr lang="pt-BR" dirty="0">
+                    <a:latin typeface="Montserrat SemiBold" pitchFamily="2" charset="0"/>
+                  </a:rPr>
+                  <a:t>Ajuste de preços ou oferecer mais valor nos planos acima R$70</a:t>
+                </a:r>
+              </a:p>
+            </p:txBody>
+          </p:sp>
+          <p:sp>
+            <p:nvSpPr>
+              <p:cNvPr id="23" name="CaixaDeTexto 22">
+                <a:extLst>
+                  <a:ext uri="{FF2B5EF4-FFF2-40B4-BE49-F238E27FC236}">
+                    <a16:creationId xmlns:a16="http://schemas.microsoft.com/office/drawing/2014/main" id="{BB98B6F3-BEF1-72B8-85EB-073A14C5A001}"/>
+                  </a:ext>
+                </a:extLst>
+              </p:cNvPr>
+              <p:cNvSpPr txBox="1"/>
+              <p:nvPr/>
+            </p:nvSpPr>
+            <p:spPr>
+              <a:xfrm>
+                <a:off x="6271368" y="3622503"/>
+                <a:ext cx="453022" cy="400110"/>
+              </a:xfrm>
+              <a:prstGeom prst="rect">
+                <a:avLst/>
+              </a:prstGeom>
+              <a:noFill/>
+            </p:spPr>
+            <p:txBody>
+              <a:bodyPr wrap="square" rtlCol="0">
+                <a:spAutoFit/>
+              </a:bodyPr>
+              <a:lstStyle/>
+              <a:p>
+                <a:r>
+                  <a:rPr lang="pt-BR" sz="2000" dirty="0">
+                    <a:latin typeface="Montserrat SemiBold" pitchFamily="2" charset="0"/>
+                  </a:rPr>
+                  <a:t>6.</a:t>
+                </a:r>
+              </a:p>
+            </p:txBody>
+          </p:sp>
+        </p:grpSp>
+      </p:grpSp>
+      <p:grpSp>
+        <p:nvGrpSpPr>
+          <p:cNvPr id="25" name="Agrupar 24">
+            <a:extLst>
+              <a:ext uri="{FF2B5EF4-FFF2-40B4-BE49-F238E27FC236}">
+                <a16:creationId xmlns:a16="http://schemas.microsoft.com/office/drawing/2014/main" id="{3712C088-1962-EC42-85F3-8E4D619045E8}"/>
+              </a:ext>
+            </a:extLst>
+          </p:cNvPr>
+          <p:cNvGrpSpPr/>
+          <p:nvPr/>
+        </p:nvGrpSpPr>
+        <p:grpSpPr>
+          <a:xfrm>
+            <a:off x="6271368" y="3264959"/>
+            <a:ext cx="4999969" cy="1525588"/>
+            <a:chOff x="6271368" y="3591526"/>
+            <a:chExt cx="4999969" cy="1637845"/>
+          </a:xfrm>
+        </p:grpSpPr>
         <p:sp>
           <p:nvSpPr>
-            <p:cNvPr id="23" name="CaixaDeTexto 22">
+            <p:cNvPr id="26" name="CaixaDeTexto 25">
               <a:extLst>
                 <a:ext uri="{FF2B5EF4-FFF2-40B4-BE49-F238E27FC236}">
-                  <a16:creationId xmlns:a16="http://schemas.microsoft.com/office/drawing/2014/main" id="{BB98B6F3-BEF1-72B8-85EB-073A14C5A001}"/>
+                  <a16:creationId xmlns:a16="http://schemas.microsoft.com/office/drawing/2014/main" id="{B62F5F64-770F-798B-D1F0-7DC8EF461AB2}"/>
                 </a:ext>
               </a:extLst>
             </p:cNvPr>
@@ -8799,8 +10216,8 @@
           </p:nvSpPr>
           <p:spPr>
             <a:xfrm>
-              <a:off x="6271368" y="3622503"/>
-              <a:ext cx="453022" cy="400110"/>
+              <a:off x="6724388" y="4029042"/>
+              <a:ext cx="4546949" cy="1200329"/>
             </a:xfrm>
             <a:prstGeom prst="rect">
               <a:avLst/>
@@ -8814,14 +10231,121 @@
             <a:lstStyle/>
             <a:p>
               <a:r>
-                <a:rPr lang="pt-BR" sz="2000" dirty="0">
-                  <a:latin typeface="Montserrat SemiBold" pitchFamily="2" charset="0"/>
+                <a:rPr lang="pt-BR" dirty="0">
+                  <a:latin typeface="Montserrat Medium" pitchFamily="2" charset="0"/>
                 </a:rPr>
-                <a:t>5.</a:t>
+                <a:t>Utilizar estratégias para minimizar o </a:t>
+              </a:r>
+              <a:r>
+                <a:rPr lang="pt-BR" dirty="0" err="1">
+                  <a:latin typeface="Montserrat Medium" pitchFamily="2" charset="0"/>
+                </a:rPr>
+                <a:t>churn</a:t>
+              </a:r>
+              <a:r>
+                <a:rPr lang="pt-BR" dirty="0">
+                  <a:latin typeface="Montserrat Medium" pitchFamily="2" charset="0"/>
+                </a:rPr>
+                <a:t> dentro deste perfil de cliente, com base nas informações que temos</a:t>
               </a:r>
             </a:p>
           </p:txBody>
         </p:sp>
+        <p:grpSp>
+          <p:nvGrpSpPr>
+            <p:cNvPr id="27" name="Agrupar 26">
+              <a:extLst>
+                <a:ext uri="{FF2B5EF4-FFF2-40B4-BE49-F238E27FC236}">
+                  <a16:creationId xmlns:a16="http://schemas.microsoft.com/office/drawing/2014/main" id="{DEFB79B2-A5A3-232B-E413-2154079E735E}"/>
+                </a:ext>
+              </a:extLst>
+            </p:cNvPr>
+            <p:cNvGrpSpPr/>
+            <p:nvPr/>
+          </p:nvGrpSpPr>
+          <p:grpSpPr>
+            <a:xfrm>
+              <a:off x="6271368" y="3591526"/>
+              <a:ext cx="4999968" cy="431087"/>
+              <a:chOff x="6271368" y="3591526"/>
+              <a:chExt cx="4999968" cy="431087"/>
+            </a:xfrm>
+          </p:grpSpPr>
+          <p:sp>
+            <p:nvSpPr>
+              <p:cNvPr id="28" name="CaixaDeTexto 27">
+                <a:extLst>
+                  <a:ext uri="{FF2B5EF4-FFF2-40B4-BE49-F238E27FC236}">
+                    <a16:creationId xmlns:a16="http://schemas.microsoft.com/office/drawing/2014/main" id="{203980A0-E1AA-7181-1A2E-DD705B937D30}"/>
+                  </a:ext>
+                </a:extLst>
+              </p:cNvPr>
+              <p:cNvSpPr txBox="1"/>
+              <p:nvPr/>
+            </p:nvSpPr>
+            <p:spPr>
+              <a:xfrm>
+                <a:off x="6724387" y="3591526"/>
+                <a:ext cx="4546949" cy="369332"/>
+              </a:xfrm>
+              <a:prstGeom prst="rect">
+                <a:avLst/>
+              </a:prstGeom>
+              <a:noFill/>
+            </p:spPr>
+            <p:txBody>
+              <a:bodyPr wrap="square" rtlCol="0">
+                <a:spAutoFit/>
+              </a:bodyPr>
+              <a:lstStyle/>
+              <a:p>
+                <a:r>
+                  <a:rPr lang="pt-BR" dirty="0">
+                    <a:latin typeface="Montserrat SemiBold" pitchFamily="2" charset="0"/>
+                  </a:rPr>
+                  <a:t>Focar em clientes cluster 3</a:t>
+                </a:r>
+              </a:p>
+            </p:txBody>
+          </p:sp>
+          <p:sp>
+            <p:nvSpPr>
+              <p:cNvPr id="29" name="CaixaDeTexto 28">
+                <a:extLst>
+                  <a:ext uri="{FF2B5EF4-FFF2-40B4-BE49-F238E27FC236}">
+                    <a16:creationId xmlns:a16="http://schemas.microsoft.com/office/drawing/2014/main" id="{972BE582-D8C3-069C-8416-D7D4D21EED56}"/>
+                  </a:ext>
+                </a:extLst>
+              </p:cNvPr>
+              <p:cNvSpPr txBox="1"/>
+              <p:nvPr/>
+            </p:nvSpPr>
+            <p:spPr>
+              <a:xfrm>
+                <a:off x="6271368" y="3622503"/>
+                <a:ext cx="453022" cy="400110"/>
+              </a:xfrm>
+              <a:prstGeom prst="rect">
+                <a:avLst/>
+              </a:prstGeom>
+              <a:noFill/>
+            </p:spPr>
+            <p:txBody>
+              <a:bodyPr wrap="square" rtlCol="0">
+                <a:spAutoFit/>
+              </a:bodyPr>
+              <a:lstStyle/>
+              <a:p>
+                <a:r>
+                  <a:rPr lang="pt-BR" sz="2000" dirty="0">
+                    <a:latin typeface="Montserrat SemiBold" pitchFamily="2" charset="0"/>
+                  </a:rPr>
+                  <a:t>5.</a:t>
+                </a:r>
+              </a:p>
+            </p:txBody>
+          </p:sp>
+        </p:grpSp>
       </p:grpSp>
     </p:spTree>
     <p:extLst>
@@ -8836,7 +10360,7 @@
 </p:sld>
 </file>
 
-<file path=ppt/slides/slide13.xml><?xml version="1.0" encoding="utf-8"?>
+<file path=ppt/slides/slide14.xml><?xml version="1.0" encoding="utf-8"?>
 <p:sld xmlns:a="http://schemas.openxmlformats.org/drawingml/2006/main" xmlns:r="http://schemas.openxmlformats.org/officeDocument/2006/relationships" xmlns:p="http://schemas.openxmlformats.org/presentationml/2006/main">
   <p:cSld>
     <p:spTree>
@@ -9386,7 +10910,7 @@
 </p:sld>
 </file>
 
-<file path=ppt/slides/slide14.xml><?xml version="1.0" encoding="utf-8"?>
+<file path=ppt/slides/slide15.xml><?xml version="1.0" encoding="utf-8"?>
 <p:sld xmlns:a="http://schemas.openxmlformats.org/drawingml/2006/main" xmlns:r="http://schemas.openxmlformats.org/officeDocument/2006/relationships" xmlns:p="http://schemas.openxmlformats.org/presentationml/2006/main">
   <p:cSld>
     <p:spTree>
@@ -9953,7 +11477,7 @@
 </p:sld>
 </file>
 
-<file path=ppt/slides/slide15.xml><?xml version="1.0" encoding="utf-8"?>
+<file path=ppt/slides/slide16.xml><?xml version="1.0" encoding="utf-8"?>
 <p:sld xmlns:a="http://schemas.openxmlformats.org/drawingml/2006/main" xmlns:r="http://schemas.openxmlformats.org/officeDocument/2006/relationships" xmlns:p="http://schemas.openxmlformats.org/presentationml/2006/main">
   <p:cSld>
     <p:spTree>
@@ -14466,7 +15990,7 @@
           <p:cNvPr id="2" name="Retângulo 1">
             <a:extLst>
               <a:ext uri="{FF2B5EF4-FFF2-40B4-BE49-F238E27FC236}">
-                <a16:creationId xmlns:a16="http://schemas.microsoft.com/office/drawing/2014/main" id="{AF3EDC6E-67AD-A36C-96D9-50FD8FB317EE}"/>
+                <a16:creationId xmlns:a16="http://schemas.microsoft.com/office/drawing/2014/main" id="{CE568A13-C1B2-2667-CAA8-DA5C15A3CE8B}"/>
               </a:ext>
             </a:extLst>
           </p:cNvPr>
@@ -14515,10 +16039,10 @@
       </p:sp>
       <p:sp>
         <p:nvSpPr>
-          <p:cNvPr id="4" name="CaixaDeTexto 3">
-            <a:extLst>
-              <a:ext uri="{FF2B5EF4-FFF2-40B4-BE49-F238E27FC236}">
-                <a16:creationId xmlns:a16="http://schemas.microsoft.com/office/drawing/2014/main" id="{66FE5C8D-6829-9C8C-0D37-52B3BDD63935}"/>
+          <p:cNvPr id="3" name="CaixaDeTexto 2">
+            <a:extLst>
+              <a:ext uri="{FF2B5EF4-FFF2-40B4-BE49-F238E27FC236}">
+                <a16:creationId xmlns:a16="http://schemas.microsoft.com/office/drawing/2014/main" id="{294A82FD-1A46-147D-D445-055A8214AE39}"/>
               </a:ext>
             </a:extLst>
           </p:cNvPr>
@@ -14527,8 +16051,8 @@
         </p:nvSpPr>
         <p:spPr>
           <a:xfrm>
-            <a:off x="118997" y="302516"/>
-            <a:ext cx="5217091" cy="523220"/>
+            <a:off x="112733" y="141243"/>
+            <a:ext cx="2016692" cy="584775"/>
           </a:xfrm>
           <a:prstGeom prst="rect">
             <a:avLst/>
@@ -14541,22 +16065,21 @@
           </a:bodyPr>
           <a:lstStyle/>
           <a:p>
-            <a:pPr algn="ctr"/>
-            <a:r>
-              <a:rPr lang="pt-BR" sz="2800" dirty="0">
-                <a:latin typeface="Montserrat Black" pitchFamily="2" charset="0"/>
+            <a:r>
+              <a:rPr lang="pt-BR" sz="3200" dirty="0">
+                <a:latin typeface="Montserrat ExtraBold" pitchFamily="2" charset="0"/>
               </a:rPr>
-              <a:t>Modelagem Preditiva</a:t>
+              <a:t>Clusters</a:t>
             </a:r>
           </a:p>
         </p:txBody>
       </p:sp>
       <p:sp>
         <p:nvSpPr>
-          <p:cNvPr id="10" name="CaixaDeTexto 9">
-            <a:extLst>
-              <a:ext uri="{FF2B5EF4-FFF2-40B4-BE49-F238E27FC236}">
-                <a16:creationId xmlns:a16="http://schemas.microsoft.com/office/drawing/2014/main" id="{96CFC10A-E015-B8E8-0B41-BA3CAB836DDD}"/>
+          <p:cNvPr id="4" name="CaixaDeTexto 3">
+            <a:extLst>
+              <a:ext uri="{FF2B5EF4-FFF2-40B4-BE49-F238E27FC236}">
+                <a16:creationId xmlns:a16="http://schemas.microsoft.com/office/drawing/2014/main" id="{2F9D38F4-6C98-21CE-CB6A-FB0B2B260658}"/>
               </a:ext>
             </a:extLst>
           </p:cNvPr>
@@ -14565,8 +16088,8 @@
         </p:nvSpPr>
         <p:spPr>
           <a:xfrm>
-            <a:off x="688931" y="1369722"/>
-            <a:ext cx="3294345" cy="369332"/>
+            <a:off x="112733" y="867261"/>
+            <a:ext cx="3544865" cy="646331"/>
           </a:xfrm>
           <a:prstGeom prst="rect">
             <a:avLst/>
@@ -14579,410 +16102,21 @@
           </a:bodyPr>
           <a:lstStyle/>
           <a:p>
-            <a:pPr algn="ctr"/>
             <a:r>
               <a:rPr lang="pt-BR" dirty="0">
                 <a:latin typeface="Montserrat SemiBold" pitchFamily="2" charset="0"/>
               </a:rPr>
-              <a:t>Métricas de desempenho</a:t>
+              <a:t>Segmentei a base de clientes em 4 tipos, sendo: </a:t>
             </a:r>
           </a:p>
         </p:txBody>
       </p:sp>
-      <p:grpSp>
-        <p:nvGrpSpPr>
-          <p:cNvPr id="13" name="Agrupar 12">
-            <a:extLst>
-              <a:ext uri="{FF2B5EF4-FFF2-40B4-BE49-F238E27FC236}">
-                <a16:creationId xmlns:a16="http://schemas.microsoft.com/office/drawing/2014/main" id="{951D17C5-9491-7305-A1E1-D90579B71567}"/>
-              </a:ext>
-            </a:extLst>
-          </p:cNvPr>
-          <p:cNvGrpSpPr/>
-          <p:nvPr/>
-        </p:nvGrpSpPr>
-        <p:grpSpPr>
-          <a:xfrm>
-            <a:off x="118997" y="1997887"/>
-            <a:ext cx="1747381" cy="369332"/>
-            <a:chOff x="118997" y="1764130"/>
-            <a:chExt cx="1747381" cy="369332"/>
-          </a:xfrm>
-        </p:grpSpPr>
-        <p:sp>
-          <p:nvSpPr>
-            <p:cNvPr id="11" name="CaixaDeTexto 10">
-              <a:extLst>
-                <a:ext uri="{FF2B5EF4-FFF2-40B4-BE49-F238E27FC236}">
-                  <a16:creationId xmlns:a16="http://schemas.microsoft.com/office/drawing/2014/main" id="{F10DA602-8DDA-5E30-B8CA-FDBB15071752}"/>
-                </a:ext>
-              </a:extLst>
-            </p:cNvPr>
-            <p:cNvSpPr txBox="1"/>
-            <p:nvPr/>
-          </p:nvSpPr>
-          <p:spPr>
-            <a:xfrm>
-              <a:off x="118997" y="1764130"/>
-              <a:ext cx="1121080" cy="369332"/>
-            </a:xfrm>
-            <a:prstGeom prst="rect">
-              <a:avLst/>
-            </a:prstGeom>
-            <a:noFill/>
-          </p:spPr>
-          <p:txBody>
-            <a:bodyPr wrap="square" rtlCol="0">
-              <a:spAutoFit/>
-            </a:bodyPr>
-            <a:lstStyle/>
-            <a:p>
-              <a:r>
-                <a:rPr lang="pt-BR" dirty="0"/>
-                <a:t>Acurácia:</a:t>
-              </a:r>
-            </a:p>
-          </p:txBody>
-        </p:sp>
-        <p:sp>
-          <p:nvSpPr>
-            <p:cNvPr id="12" name="CaixaDeTexto 11">
-              <a:extLst>
-                <a:ext uri="{FF2B5EF4-FFF2-40B4-BE49-F238E27FC236}">
-                  <a16:creationId xmlns:a16="http://schemas.microsoft.com/office/drawing/2014/main" id="{28404A8C-2199-1946-82DD-FC439C5EB714}"/>
-                </a:ext>
-              </a:extLst>
-            </p:cNvPr>
-            <p:cNvSpPr txBox="1"/>
-            <p:nvPr/>
-          </p:nvSpPr>
-          <p:spPr>
-            <a:xfrm>
-              <a:off x="1240077" y="1764130"/>
-              <a:ext cx="626301" cy="369332"/>
-            </a:xfrm>
-            <a:prstGeom prst="rect">
-              <a:avLst/>
-            </a:prstGeom>
-            <a:noFill/>
-          </p:spPr>
-          <p:txBody>
-            <a:bodyPr wrap="square" rtlCol="0">
-              <a:spAutoFit/>
-            </a:bodyPr>
-            <a:lstStyle/>
-            <a:p>
-              <a:r>
-                <a:rPr lang="pt-BR" dirty="0"/>
-                <a:t>75%</a:t>
-              </a:r>
-            </a:p>
-          </p:txBody>
-        </p:sp>
-      </p:grpSp>
-      <p:grpSp>
-        <p:nvGrpSpPr>
-          <p:cNvPr id="20" name="Agrupar 19">
-            <a:extLst>
-              <a:ext uri="{FF2B5EF4-FFF2-40B4-BE49-F238E27FC236}">
-                <a16:creationId xmlns:a16="http://schemas.microsoft.com/office/drawing/2014/main" id="{0C3EA017-D67E-F255-87C2-803C2C970F7F}"/>
-              </a:ext>
-            </a:extLst>
-          </p:cNvPr>
-          <p:cNvGrpSpPr/>
-          <p:nvPr/>
-        </p:nvGrpSpPr>
-        <p:grpSpPr>
-          <a:xfrm>
-            <a:off x="118997" y="2629234"/>
-            <a:ext cx="2278796" cy="372514"/>
-            <a:chOff x="118997" y="1764130"/>
-            <a:chExt cx="1133305" cy="372514"/>
-          </a:xfrm>
-        </p:grpSpPr>
-        <p:sp>
-          <p:nvSpPr>
-            <p:cNvPr id="21" name="CaixaDeTexto 20">
-              <a:extLst>
-                <a:ext uri="{FF2B5EF4-FFF2-40B4-BE49-F238E27FC236}">
-                  <a16:creationId xmlns:a16="http://schemas.microsoft.com/office/drawing/2014/main" id="{EA7EAAC3-7D4E-4339-B3D3-9CFCF62517B5}"/>
-                </a:ext>
-              </a:extLst>
-            </p:cNvPr>
-            <p:cNvSpPr txBox="1"/>
-            <p:nvPr/>
-          </p:nvSpPr>
-          <p:spPr>
-            <a:xfrm>
-              <a:off x="118997" y="1764130"/>
-              <a:ext cx="1121080" cy="369332"/>
-            </a:xfrm>
-            <a:prstGeom prst="rect">
-              <a:avLst/>
-            </a:prstGeom>
-            <a:noFill/>
-          </p:spPr>
-          <p:txBody>
-            <a:bodyPr wrap="square" rtlCol="0">
-              <a:spAutoFit/>
-            </a:bodyPr>
-            <a:lstStyle/>
-            <a:p>
-              <a:r>
-                <a:rPr lang="pt-BR" dirty="0"/>
-                <a:t>Recall (</a:t>
-              </a:r>
-              <a:r>
-                <a:rPr lang="pt-BR" dirty="0" err="1"/>
-                <a:t>Churn</a:t>
-              </a:r>
-              <a:r>
-                <a:rPr lang="pt-BR" dirty="0"/>
-                <a:t>):</a:t>
-              </a:r>
-            </a:p>
-          </p:txBody>
-        </p:sp>
-        <p:sp>
-          <p:nvSpPr>
-            <p:cNvPr id="22" name="CaixaDeTexto 21">
-              <a:extLst>
-                <a:ext uri="{FF2B5EF4-FFF2-40B4-BE49-F238E27FC236}">
-                  <a16:creationId xmlns:a16="http://schemas.microsoft.com/office/drawing/2014/main" id="{B9F9FC72-0F74-E127-19BF-2E2DA7D60671}"/>
-                </a:ext>
-              </a:extLst>
-            </p:cNvPr>
-            <p:cNvSpPr txBox="1"/>
-            <p:nvPr/>
-          </p:nvSpPr>
-          <p:spPr>
-            <a:xfrm>
-              <a:off x="922137" y="1767312"/>
-              <a:ext cx="330165" cy="369332"/>
-            </a:xfrm>
-            <a:prstGeom prst="rect">
-              <a:avLst/>
-            </a:prstGeom>
-            <a:noFill/>
-          </p:spPr>
-          <p:txBody>
-            <a:bodyPr wrap="square" rtlCol="0">
-              <a:spAutoFit/>
-            </a:bodyPr>
-            <a:lstStyle/>
-            <a:p>
-              <a:r>
-                <a:rPr lang="pt-BR" dirty="0"/>
-                <a:t>75%</a:t>
-              </a:r>
-            </a:p>
-          </p:txBody>
-        </p:sp>
-      </p:grpSp>
-      <p:grpSp>
-        <p:nvGrpSpPr>
-          <p:cNvPr id="23" name="Agrupar 22">
-            <a:extLst>
-              <a:ext uri="{FF2B5EF4-FFF2-40B4-BE49-F238E27FC236}">
-                <a16:creationId xmlns:a16="http://schemas.microsoft.com/office/drawing/2014/main" id="{466CE996-C900-E31A-4683-F3CCF21347D0}"/>
-              </a:ext>
-            </a:extLst>
-          </p:cNvPr>
-          <p:cNvGrpSpPr/>
-          <p:nvPr/>
-        </p:nvGrpSpPr>
-        <p:grpSpPr>
-          <a:xfrm>
-            <a:off x="118997" y="3393055"/>
-            <a:ext cx="2943616" cy="372514"/>
-            <a:chOff x="118997" y="1760948"/>
-            <a:chExt cx="1121080" cy="372514"/>
-          </a:xfrm>
-        </p:grpSpPr>
-        <p:sp>
-          <p:nvSpPr>
-            <p:cNvPr id="24" name="CaixaDeTexto 23">
-              <a:extLst>
-                <a:ext uri="{FF2B5EF4-FFF2-40B4-BE49-F238E27FC236}">
-                  <a16:creationId xmlns:a16="http://schemas.microsoft.com/office/drawing/2014/main" id="{963DEF39-AFF4-F8EB-0008-944083085CDB}"/>
-                </a:ext>
-              </a:extLst>
-            </p:cNvPr>
-            <p:cNvSpPr txBox="1"/>
-            <p:nvPr/>
-          </p:nvSpPr>
-          <p:spPr>
-            <a:xfrm>
-              <a:off x="118997" y="1764130"/>
-              <a:ext cx="1121080" cy="369332"/>
-            </a:xfrm>
-            <a:prstGeom prst="rect">
-              <a:avLst/>
-            </a:prstGeom>
-            <a:noFill/>
-          </p:spPr>
-          <p:txBody>
-            <a:bodyPr wrap="square" rtlCol="0">
-              <a:spAutoFit/>
-            </a:bodyPr>
-            <a:lstStyle/>
-            <a:p>
-              <a:r>
-                <a:rPr lang="pt-BR" dirty="0"/>
-                <a:t>Precisão(</a:t>
-              </a:r>
-              <a:r>
-                <a:rPr lang="pt-BR" dirty="0" err="1"/>
-                <a:t>Churn</a:t>
-              </a:r>
-              <a:r>
-                <a:rPr lang="pt-BR" dirty="0"/>
-                <a:t>):</a:t>
-              </a:r>
-            </a:p>
-          </p:txBody>
-        </p:sp>
-        <p:sp>
-          <p:nvSpPr>
-            <p:cNvPr id="25" name="CaixaDeTexto 24">
-              <a:extLst>
-                <a:ext uri="{FF2B5EF4-FFF2-40B4-BE49-F238E27FC236}">
-                  <a16:creationId xmlns:a16="http://schemas.microsoft.com/office/drawing/2014/main" id="{E1B78138-01CC-7FFD-F557-4DAA00CE82EA}"/>
-                </a:ext>
-              </a:extLst>
-            </p:cNvPr>
-            <p:cNvSpPr txBox="1"/>
-            <p:nvPr/>
-          </p:nvSpPr>
-          <p:spPr>
-            <a:xfrm>
-              <a:off x="822933" y="1760948"/>
-              <a:ext cx="330165" cy="369332"/>
-            </a:xfrm>
-            <a:prstGeom prst="rect">
-              <a:avLst/>
-            </a:prstGeom>
-            <a:noFill/>
-          </p:spPr>
-          <p:txBody>
-            <a:bodyPr wrap="square" rtlCol="0">
-              <a:spAutoFit/>
-            </a:bodyPr>
-            <a:lstStyle/>
-            <a:p>
-              <a:r>
-                <a:rPr lang="pt-BR" dirty="0"/>
-                <a:t>52%</a:t>
-              </a:r>
-            </a:p>
-          </p:txBody>
-        </p:sp>
-      </p:grpSp>
-      <p:grpSp>
-        <p:nvGrpSpPr>
-          <p:cNvPr id="26" name="Agrupar 25">
-            <a:extLst>
-              <a:ext uri="{FF2B5EF4-FFF2-40B4-BE49-F238E27FC236}">
-                <a16:creationId xmlns:a16="http://schemas.microsoft.com/office/drawing/2014/main" id="{4D1109E5-BEFA-A796-ACA7-84040C5CD199}"/>
-              </a:ext>
-            </a:extLst>
-          </p:cNvPr>
-          <p:cNvGrpSpPr/>
-          <p:nvPr/>
-        </p:nvGrpSpPr>
-        <p:grpSpPr>
-          <a:xfrm>
-            <a:off x="118997" y="4112270"/>
-            <a:ext cx="2943616" cy="372514"/>
-            <a:chOff x="118997" y="1760948"/>
-            <a:chExt cx="1121080" cy="372514"/>
-          </a:xfrm>
-        </p:grpSpPr>
-        <p:sp>
-          <p:nvSpPr>
-            <p:cNvPr id="27" name="CaixaDeTexto 26">
-              <a:extLst>
-                <a:ext uri="{FF2B5EF4-FFF2-40B4-BE49-F238E27FC236}">
-                  <a16:creationId xmlns:a16="http://schemas.microsoft.com/office/drawing/2014/main" id="{D1863588-52D2-BA02-CC03-C6E263AB1559}"/>
-                </a:ext>
-              </a:extLst>
-            </p:cNvPr>
-            <p:cNvSpPr txBox="1"/>
-            <p:nvPr/>
-          </p:nvSpPr>
-          <p:spPr>
-            <a:xfrm>
-              <a:off x="118997" y="1764130"/>
-              <a:ext cx="1121080" cy="369332"/>
-            </a:xfrm>
-            <a:prstGeom prst="rect">
-              <a:avLst/>
-            </a:prstGeom>
-            <a:noFill/>
-          </p:spPr>
-          <p:txBody>
-            <a:bodyPr wrap="square" rtlCol="0">
-              <a:spAutoFit/>
-            </a:bodyPr>
-            <a:lstStyle/>
-            <a:p>
-              <a:r>
-                <a:rPr lang="pt-BR" dirty="0"/>
-                <a:t>F1-Score(</a:t>
-              </a:r>
-              <a:r>
-                <a:rPr lang="pt-BR" dirty="0" err="1"/>
-                <a:t>Churn</a:t>
-              </a:r>
-              <a:r>
-                <a:rPr lang="pt-BR" dirty="0"/>
-                <a:t>):</a:t>
-              </a:r>
-            </a:p>
-          </p:txBody>
-        </p:sp>
-        <p:sp>
-          <p:nvSpPr>
-            <p:cNvPr id="28" name="CaixaDeTexto 27">
-              <a:extLst>
-                <a:ext uri="{FF2B5EF4-FFF2-40B4-BE49-F238E27FC236}">
-                  <a16:creationId xmlns:a16="http://schemas.microsoft.com/office/drawing/2014/main" id="{9DC8DA8F-CD37-EA4F-D1C8-875071CEB359}"/>
-                </a:ext>
-              </a:extLst>
-            </p:cNvPr>
-            <p:cNvSpPr txBox="1"/>
-            <p:nvPr/>
-          </p:nvSpPr>
-          <p:spPr>
-            <a:xfrm>
-              <a:off x="822933" y="1760948"/>
-              <a:ext cx="330165" cy="369332"/>
-            </a:xfrm>
-            <a:prstGeom prst="rect">
-              <a:avLst/>
-            </a:prstGeom>
-            <a:noFill/>
-          </p:spPr>
-          <p:txBody>
-            <a:bodyPr wrap="square" rtlCol="0">
-              <a:spAutoFit/>
-            </a:bodyPr>
-            <a:lstStyle/>
-            <a:p>
-              <a:r>
-                <a:rPr lang="pt-BR" dirty="0"/>
-                <a:t>61%</a:t>
-              </a:r>
-            </a:p>
-          </p:txBody>
-        </p:sp>
-      </p:grpSp>
       <p:sp>
         <p:nvSpPr>
-          <p:cNvPr id="29" name="CaixaDeTexto 28">
-            <a:extLst>
-              <a:ext uri="{FF2B5EF4-FFF2-40B4-BE49-F238E27FC236}">
-                <a16:creationId xmlns:a16="http://schemas.microsoft.com/office/drawing/2014/main" id="{DE8F91CE-6194-27F0-EF93-06445C92B2F6}"/>
+          <p:cNvPr id="5" name="CaixaDeTexto 4">
+            <a:extLst>
+              <a:ext uri="{FF2B5EF4-FFF2-40B4-BE49-F238E27FC236}">
+                <a16:creationId xmlns:a16="http://schemas.microsoft.com/office/drawing/2014/main" id="{C3461C15-C2C2-6FCC-892A-E897876BE372}"/>
               </a:ext>
             </a:extLst>
           </p:cNvPr>
@@ -14991,8 +16125,8 @@
         </p:nvSpPr>
         <p:spPr>
           <a:xfrm>
-            <a:off x="107204" y="4834667"/>
-            <a:ext cx="3720230" cy="923330"/>
+            <a:off x="112732" y="1652009"/>
+            <a:ext cx="3632549" cy="1077218"/>
           </a:xfrm>
           <a:prstGeom prst="rect">
             <a:avLst/>
@@ -15006,20 +16140,20 @@
           <a:lstStyle/>
           <a:p>
             <a:r>
-              <a:rPr lang="pt-BR" dirty="0">
-                <a:latin typeface="Montserrat Medium" pitchFamily="2" charset="0"/>
+              <a:rPr lang="pt-BR" sz="1600" dirty="0">
+                <a:latin typeface="Montserrat SemiBold" pitchFamily="2" charset="0"/>
               </a:rPr>
-              <a:t>O modelo identifica 3 a cada 4 clientes em risco, possui bom equilíbrio entre acerto e erro</a:t>
+              <a:t>Cluster 0 – Clientes com planos mais caros, alta permanência, grande parte de clientes em contratos anuais.</a:t>
             </a:r>
           </a:p>
         </p:txBody>
       </p:sp>
       <p:sp>
         <p:nvSpPr>
-          <p:cNvPr id="30" name="CaixaDeTexto 29">
-            <a:extLst>
-              <a:ext uri="{FF2B5EF4-FFF2-40B4-BE49-F238E27FC236}">
-                <a16:creationId xmlns:a16="http://schemas.microsoft.com/office/drawing/2014/main" id="{DB7826D0-FE30-A297-8E39-B68CC84B8BAD}"/>
+          <p:cNvPr id="6" name="CaixaDeTexto 5">
+            <a:extLst>
+              <a:ext uri="{FF2B5EF4-FFF2-40B4-BE49-F238E27FC236}">
+                <a16:creationId xmlns:a16="http://schemas.microsoft.com/office/drawing/2014/main" id="{6FBA69F4-B616-94AD-7282-684F4B276DF0}"/>
               </a:ext>
             </a:extLst>
           </p:cNvPr>
@@ -15028,8 +16162,8 @@
         </p:nvSpPr>
         <p:spPr>
           <a:xfrm>
-            <a:off x="6351429" y="1166890"/>
-            <a:ext cx="4895590" cy="1200329"/>
+            <a:off x="112732" y="2888408"/>
+            <a:ext cx="3632549" cy="1077218"/>
           </a:xfrm>
           <a:prstGeom prst="rect">
             <a:avLst/>
@@ -15042,74 +16176,21 @@
           </a:bodyPr>
           <a:lstStyle/>
           <a:p>
-            <a:pPr algn="ctr"/>
-            <a:r>
-              <a:rPr lang="pt-BR" dirty="0">
+            <a:r>
+              <a:rPr lang="pt-BR" sz="1600" dirty="0">
                 <a:latin typeface="Montserrat SemiBold" pitchFamily="2" charset="0"/>
               </a:rPr>
-              <a:t>O modelo foi calibrado em prol do recall da classe 1 (</a:t>
-            </a:r>
-            <a:r>
-              <a:rPr lang="pt-BR" dirty="0" err="1">
-                <a:latin typeface="Montserrat SemiBold" pitchFamily="2" charset="0"/>
-              </a:rPr>
-              <a:t>Churn</a:t>
-            </a:r>
-            <a:r>
-              <a:rPr lang="pt-BR" dirty="0">
-                <a:latin typeface="Montserrat SemiBold" pitchFamily="2" charset="0"/>
-              </a:rPr>
-              <a:t>), a fim da identificação de clientes </a:t>
-            </a:r>
-            <a:r>
-              <a:rPr lang="pt-BR" dirty="0" err="1">
-                <a:latin typeface="Montserrat SemiBold" pitchFamily="2" charset="0"/>
-              </a:rPr>
-              <a:t>churn</a:t>
-            </a:r>
-            <a:r>
-              <a:rPr lang="pt-BR" dirty="0">
-                <a:latin typeface="Montserrat SemiBold" pitchFamily="2" charset="0"/>
-              </a:rPr>
-              <a:t>, possibilizando ações preventivas </a:t>
+              <a:t>Cluster 1 – Clientes com planos mais baratos, baixa permanência, grande parte de clientes em contratos mensais.</a:t>
             </a:r>
           </a:p>
         </p:txBody>
       </p:sp>
-      <p:graphicFrame>
-        <p:nvGraphicFramePr>
-          <p:cNvPr id="33" name="Gráfico 32">
-            <a:extLst>
-              <a:ext uri="{FF2B5EF4-FFF2-40B4-BE49-F238E27FC236}">
-                <a16:creationId xmlns:a16="http://schemas.microsoft.com/office/drawing/2014/main" id="{3E7E498F-214D-18A3-F70D-1CE6EB4C76DB}"/>
-              </a:ext>
-            </a:extLst>
-          </p:cNvPr>
-          <p:cNvGraphicFramePr/>
-          <p:nvPr>
-            <p:extLst>
-              <p:ext uri="{D42A27DB-BD31-4B8C-83A1-F6EECF244321}">
-                <p14:modId xmlns:p14="http://schemas.microsoft.com/office/powerpoint/2010/main" val="3204291979"/>
-              </p:ext>
-            </p:extLst>
-          </p:nvPr>
-        </p:nvGraphicFramePr>
-        <p:xfrm>
-          <a:off x="5675756" y="2718066"/>
-          <a:ext cx="6011027" cy="3532422"/>
-        </p:xfrm>
-        <a:graphic>
-          <a:graphicData uri="http://schemas.openxmlformats.org/drawingml/2006/chart">
-            <c:chart xmlns:c="http://schemas.openxmlformats.org/drawingml/2006/chart" xmlns:r="http://schemas.openxmlformats.org/officeDocument/2006/relationships" r:id="rId2"/>
-          </a:graphicData>
-        </a:graphic>
-      </p:graphicFrame>
       <p:sp>
         <p:nvSpPr>
-          <p:cNvPr id="34" name="CaixaDeTexto 33">
-            <a:extLst>
-              <a:ext uri="{FF2B5EF4-FFF2-40B4-BE49-F238E27FC236}">
-                <a16:creationId xmlns:a16="http://schemas.microsoft.com/office/drawing/2014/main" id="{342C2443-9A26-C90E-897F-FE257B44157C}"/>
+          <p:cNvPr id="7" name="CaixaDeTexto 6">
+            <a:extLst>
+              <a:ext uri="{FF2B5EF4-FFF2-40B4-BE49-F238E27FC236}">
+                <a16:creationId xmlns:a16="http://schemas.microsoft.com/office/drawing/2014/main" id="{6C84D124-94B2-D35D-7F26-03F4F4E84018}"/>
               </a:ext>
             </a:extLst>
           </p:cNvPr>
@@ -15118,8 +16199,8 @@
         </p:nvSpPr>
         <p:spPr>
           <a:xfrm>
-            <a:off x="5971839" y="6250488"/>
-            <a:ext cx="759180" cy="307777"/>
+            <a:off x="112732" y="4124807"/>
+            <a:ext cx="3632549" cy="1077218"/>
           </a:xfrm>
           <a:prstGeom prst="rect">
             <a:avLst/>
@@ -15133,23 +16214,20 @@
           <a:lstStyle/>
           <a:p>
             <a:r>
-              <a:rPr lang="pt-BR" sz="1400" dirty="0" err="1">
+              <a:rPr lang="pt-BR" sz="1600" dirty="0">
                 <a:latin typeface="Montserrat SemiBold" pitchFamily="2" charset="0"/>
               </a:rPr>
-              <a:t>Churn</a:t>
-            </a:r>
-            <a:endParaRPr lang="pt-BR" sz="1400" dirty="0">
-              <a:latin typeface="Montserrat SemiBold" pitchFamily="2" charset="0"/>
-            </a:endParaRPr>
+              <a:t>Cluster 2 – Clientes com planos mais baratos, alta permanência, grande parte de clientes em contratos anuais.</a:t>
+            </a:r>
           </a:p>
         </p:txBody>
       </p:sp>
       <p:sp>
         <p:nvSpPr>
-          <p:cNvPr id="35" name="CaixaDeTexto 34">
-            <a:extLst>
-              <a:ext uri="{FF2B5EF4-FFF2-40B4-BE49-F238E27FC236}">
-                <a16:creationId xmlns:a16="http://schemas.microsoft.com/office/drawing/2014/main" id="{AFD8DCB9-930B-7B93-F1CF-BBCA82CEB78D}"/>
+          <p:cNvPr id="8" name="CaixaDeTexto 7">
+            <a:extLst>
+              <a:ext uri="{FF2B5EF4-FFF2-40B4-BE49-F238E27FC236}">
+                <a16:creationId xmlns:a16="http://schemas.microsoft.com/office/drawing/2014/main" id="{EF8F652F-F375-2F33-9229-1672FBA100B9}"/>
               </a:ext>
             </a:extLst>
           </p:cNvPr>
@@ -15158,8 +16236,8 @@
         </p:nvSpPr>
         <p:spPr>
           <a:xfrm>
-            <a:off x="8681269" y="6246466"/>
-            <a:ext cx="1552679" cy="307777"/>
+            <a:off x="112732" y="5361206"/>
+            <a:ext cx="3632549" cy="1077218"/>
           </a:xfrm>
           <a:prstGeom prst="rect">
             <a:avLst/>
@@ -15172,94 +16250,47 @@
           </a:bodyPr>
           <a:lstStyle/>
           <a:p>
-            <a:pPr algn="ctr"/>
-            <a:r>
-              <a:rPr lang="pt-BR" sz="1400" dirty="0">
-                <a:latin typeface="Montserrat SemiBold" pitchFamily="2" charset="0"/>
-              </a:rPr>
-              <a:t>Clientes Ativos</a:t>
-            </a:r>
-          </a:p>
-        </p:txBody>
-      </p:sp>
-      <p:sp>
-        <p:nvSpPr>
-          <p:cNvPr id="36" name="CaixaDeTexto 35">
-            <a:extLst>
-              <a:ext uri="{FF2B5EF4-FFF2-40B4-BE49-F238E27FC236}">
-                <a16:creationId xmlns:a16="http://schemas.microsoft.com/office/drawing/2014/main" id="{8BB492D4-EBBD-37FB-57F9-EE90529C053D}"/>
-              </a:ext>
-            </a:extLst>
-          </p:cNvPr>
-          <p:cNvSpPr txBox="1"/>
-          <p:nvPr/>
-        </p:nvSpPr>
-        <p:spPr>
-          <a:xfrm>
-            <a:off x="6096000" y="2813900"/>
-            <a:ext cx="701458" cy="338554"/>
-          </a:xfrm>
-          <a:prstGeom prst="rect">
-            <a:avLst/>
-          </a:prstGeom>
-          <a:noFill/>
-        </p:spPr>
-        <p:txBody>
-          <a:bodyPr wrap="square" rtlCol="0">
-            <a:spAutoFit/>
-          </a:bodyPr>
-          <a:lstStyle/>
-          <a:p>
             <a:r>
               <a:rPr lang="pt-BR" sz="1600" dirty="0">
                 <a:latin typeface="Montserrat SemiBold" pitchFamily="2" charset="0"/>
               </a:rPr>
-              <a:t>0.75</a:t>
+              <a:t>Cluster 3 – Clientes com planos mais caros, permanência menor, grande parte de clientes em contratos mensais.</a:t>
             </a:r>
           </a:p>
         </p:txBody>
       </p:sp>
-      <p:sp>
-        <p:nvSpPr>
-          <p:cNvPr id="37" name="CaixaDeTexto 36">
-            <a:extLst>
-              <a:ext uri="{FF2B5EF4-FFF2-40B4-BE49-F238E27FC236}">
-                <a16:creationId xmlns:a16="http://schemas.microsoft.com/office/drawing/2014/main" id="{58AD0A2A-BEBD-C04C-F24A-FF769C78FB60}"/>
-              </a:ext>
-            </a:extLst>
-          </p:cNvPr>
-          <p:cNvSpPr txBox="1"/>
-          <p:nvPr/>
-        </p:nvSpPr>
-        <p:spPr>
-          <a:xfrm>
-            <a:off x="9106879" y="2813900"/>
-            <a:ext cx="701458" cy="338554"/>
-          </a:xfrm>
-          <a:prstGeom prst="rect">
-            <a:avLst/>
-          </a:prstGeom>
-          <a:noFill/>
-        </p:spPr>
-        <p:txBody>
-          <a:bodyPr wrap="square" rtlCol="0">
-            <a:spAutoFit/>
-          </a:bodyPr>
-          <a:lstStyle/>
-          <a:p>
-            <a:r>
-              <a:rPr lang="pt-BR" sz="1600" dirty="0">
-                <a:latin typeface="Montserrat SemiBold" pitchFamily="2" charset="0"/>
-              </a:rPr>
-              <a:t>0.75</a:t>
-            </a:r>
-          </a:p>
-        </p:txBody>
-      </p:sp>
+      <p:graphicFrame>
+        <p:nvGraphicFramePr>
+          <p:cNvPr id="11" name="Gráfico 10">
+            <a:extLst>
+              <a:ext uri="{FF2B5EF4-FFF2-40B4-BE49-F238E27FC236}">
+                <a16:creationId xmlns:a16="http://schemas.microsoft.com/office/drawing/2014/main" id="{2371964D-B3E4-DB0A-52AD-FAA1FF484273}"/>
+              </a:ext>
+            </a:extLst>
+          </p:cNvPr>
+          <p:cNvGraphicFramePr/>
+          <p:nvPr>
+            <p:extLst>
+              <p:ext uri="{D42A27DB-BD31-4B8C-83A1-F6EECF244321}">
+                <p14:modId xmlns:p14="http://schemas.microsoft.com/office/powerpoint/2010/main" val="2853265126"/>
+              </p:ext>
+            </p:extLst>
+          </p:nvPr>
+        </p:nvGraphicFramePr>
+        <p:xfrm>
+          <a:off x="4546943" y="717683"/>
+          <a:ext cx="6301987" cy="5418667"/>
+        </p:xfrm>
+        <a:graphic>
+          <a:graphicData uri="http://schemas.openxmlformats.org/drawingml/2006/chart">
+            <c:chart xmlns:c="http://schemas.openxmlformats.org/drawingml/2006/chart" xmlns:r="http://schemas.openxmlformats.org/officeDocument/2006/relationships" r:id="rId2"/>
+          </a:graphicData>
+        </a:graphic>
+      </p:graphicFrame>
     </p:spTree>
     <p:extLst>
       <p:ext uri="{BB962C8B-B14F-4D97-AF65-F5344CB8AC3E}">
-        <p14:creationId xmlns:p14="http://schemas.microsoft.com/office/powerpoint/2010/main" val="4082610976"/>
+        <p14:creationId xmlns:p14="http://schemas.microsoft.com/office/powerpoint/2010/main" val="2891887417"/>
       </p:ext>
     </p:extLst>
   </p:cSld>
@@ -15593,7 +16624,7 @@
   <we:properties>
     <we:property name="artifactViewState" value="&quot;live&quot;"/>
     <we:property name="backgroundColor" value="&quot;#FFFFFF&quot;"/>
-    <we:property name="bookmark" value="&quot;H4sIAAAAAAAAA+1ZzW7bOBB+lYUuvRgLSiJlKbfETYECm4XRBL0UQTEkx7a6CilQVDZu4HffoegmTWo0hdeJE6Q3iRyT8/1whoKvE113bQPLv+ECk4PkvdG1Am3dH2kySkwclBx5Vs04h1IJoeWMszBrW19b0yUH14kHN0f/se56aMJKNPjpfJRA00xhHt5m0HQ4Slp0nTXQ1F8xBtOUdz2uRgletY11EJY89eAxLHtJ4fROKaR/5rQjKF9f4ikqH0e5YJgCF8CwpJxyRQ8U1sWAIbONIWHpYfuJNR5qQ9uEMTEGLVQliywtJcqyYkURxmd149chcnl81TpCR5iXbSDnUF+CUaiTAYLDLmZ8nZwgdL0bNju+M3Fqe6fwA86GKeNrv6R1TlDXGrpkRVxMnSWmhuF34HtHjBpvz6yHZphf2H8nDokknRyw1TmNdLWZN2tOb+GdxRQVuJCelV+ImACDfmCdRne0HJC8rd03SrPRvWQfDQWlTTFVIUpRcMnGKssZViVm4hlRPkVHIfbFk36LI9KOGc4QVJnzDDSwkmEG+6b9DK5A42TRO/My+b4LIBKdcyV4IRljBatSKPOqfLikTAj03DoqxM0PXE9s01+YX83UY6Ps/TxD0XNUSjewPHopYjd9R/yhPgI3WYDzz0v5b52KQr5814vWusasdiskmY3mMpkJVUgkwxW80kwIwbY/1ofzucM5+PXr8c59eKP+u96sBRJbeXIHyXg0wQdbeLGh+8P/8uCeeH4ym95QG01apGWGqsoZq2RWMK4kl8+794yeqjJPYRna9Qn6hdVb1cUhh9dbEe8TGB0HshrPNFclgtZCgJL6t+NiGu8NMWDQn6K7rNVW9e+1e+5HCqPrZogpVoqzQvNSQcXG+PAd+5HlPqEbw6JZBrHm+Pmo/rn39nYzaJ2V8Flt6FvpFgbtPKh/UB/ST551n/4p6iez8yaLrG+XAEB2hhS1UPmYs4o//K3+yIaeoyHxtilbXUOH1d3xQnKBhDk8aPAwoGjjVjXGeauHaRxAXid/1QQ8rv0Rmj4s++YIulq9CQVo/Qm4UbUhvNuVZjcsRKHSDKnjlSBTVhQqZ3zM1Pb9bgf5rT/XXrtMtzREnUQqyjzVMC5KlmJZCWoT+z5QUyqQ5rdUtzREqRC5Go9zWeRFiUNDZ9W+pXqLbTj3xnevXa07TJwPW682A7O971pQOAWDGwASMKCF9AMgh38zbiCuVv8Bj/SNqEYZAAA=&quot;"/>
+    <we:property name="bookmark" value="&quot;H4sIAAAAAAAAA+1ZS2/bOBD+KwtdejEW1IOUlFvipkCBzcJogl6KoBiSY1ldhRQoKhs38H/foeQmTWo0hdeJE6Q3iRyT8z00Q8LXka67toHl33CB0UH03uhagbbujziaRGYc1KnUUuV5jAxkmpaa5YJmbetra7ro4Dry4Cr0H+uuhyasRIOfzicRNM0MqvA2h6bDSdSi66yBpv6KYzBNedfjahLhVdtYB2HJUw8ew7KXFE7vlEL8Z0o7gvL1JZ6i8uNoxhnGkHFgWGQsThU9UFg3BgyZbQwJSw/bT63xUBvaJozxHDRXpRRJXEiURcmECOPzuvHrELk8vmodoSPMyzaQc6gvwSjU0QDBYTdmfB2dIHS9GzY7vjNxanun8APOhynja7+kdU5Q1xq6aEVczJwlpobhd+B7R4wab8+sh2aYX9h/pw6JJB0dsNU5jXS1qZo1p7fwzsYUFbiQnpVfiJgAg35gnUZ3tByQvK3dN0qTyb1kHw0FpU0xpeAFF5lkuUpShmWBCX9GlM/QUYh98aTf4hhpxwTnCKpIswQ0sIJhAvum/QyuQON00TvzMvm+C2AkOs0Uz4RkjAlWxlCkZfFwSZkS6Mo6KsTND1xPbdNfmF/N1GOj7P08Q9FzVEo3sDx5KWI3fUf8oT4CN12A889L+W+dikK+fNeL1rqOWe1WSDIbzSUy4UpIJMOJjNo055xt/1kfVpXDCvz69XjnPrxR/11v1gLxrTy5g2Q8muCDLbzY0Pnhf3lwTzw/mU1vqB1NKuIiQVWmjJUyESxTMpPPu/dMnqoyz2AZ2vUJ+oXVW9XFIYfXWxHvEzg6DmSZz3WmCgStOQdF15nfjhsG3xtiwKA/RXdZq63q32v33I8Ujq6bI8ZYqowJnRUKSpbjw2fsR5b7hE4Mi2YZxKrw81H9c+/t7WTQOivhs9rQt+ItDNp5UP+gPqSfPOs+/VPUT2bnTRZZny4BgOwMMWqu0jxjZfbwXf2RDV2hIfG2KVtdQx+ru+OF6AIJc3jQ4GFA0Y5b1TjOWz1M4wDyOvqrJuDj2h+h6cOyb46gq9WbUIDWV8CNqg3h3a40u2FhFCpOkDpeATJmQqiUZTlT2/e7HeS3vq69dpluaRh14jEv0lhDLgoWY1FyahP7/qBmVCDNb6luaRilQsxUnqdSpKLAoaGzct9SvcU2fPfGd69drTtMnA9brzYDs73vWlA4A4MbABIwoIX0AyCHfzNuIK5W/wFczY4DRhkAAA==&quot;"/>
     <we:property name="creatorSessionId" value="&quot;1eb3f4fc-adb3-4f4f-8c3c-108dfb268419&quot;"/>
     <we:property name="creatorTenantId" value="&quot;43425ceb-4e5b-4236-91ee-8996016132fd&quot;"/>
     <we:property name="creatorUserId" value="&quot;10032004E675D2F5&quot;"/>
@@ -15623,7 +16654,7 @@
   <we:properties>
     <we:property name="artifactViewState" value="&quot;live&quot;"/>
     <we:property name="backgroundColor" value="&quot;#FFFFFF&quot;"/>
-    <we:property name="bookmark" value="&quot;H4sIAAAAAAAAA+VY227cNhD9lUIveVkUpG6U/JZsHKBAHSxqIy+BUQzJ0VqpTG4pyvXW2H/vkNrGl2zswBfIi+hJGlLkmXM4MySvEt32qw7WH+Eck4PkN6NbBdq6X3gyS8xoBIU6VdBIWeXQZCB0UVGrXfnWmj45uEo8uCX6T20/QBdGIuPn01kCXbeAZfhqoOtxlqzQ9dZA1/6LY2dq8m7AzSzBy1VnHYQhjz14DMNeUHf6Jgj814xmBOXbCzxG5UerUkLUVZ1JxoXUgmmW59StHztEZDu7hKHj9HNrPLSGpgk2rirBG0iZKCvGeKqLIsJo2s5vu8j14eXKkXfk83oVyJkT1qV1xFqXRC8c9iPoq2Ruu+E8vh3esh/bwSn8A5vYZHzr1zSSx07ZZENcLJwlpqJxAc4Tvmg+s//MHdJ8Ojlgm1Oy9K1Zdlsqr706GZH1XavoTxJKfiFGIv5zJKHCiwYP0Y3VOFeLY7vVsRmjl1fJ7y15Po79CbohDPvmHfStekOI6DkNuEZZCPSXG8TH7n2c4llpoBmpick8TYsmU8hKXaayhFJOLdV7XKHRaIjpn1ytW0yMgpUVZ4VSpeZa50ykHFk2tWDLAPKnD62vLGyFyqXEvOZY1HXN0rIW5cNCvdUXYKhKfKPSEUI/OPxRgEeoWw39XYgfwA+OyorxdoGOutjHiKbA6VuS0Q/Wke/v1tGX9637v7KksztwX9CPUeiGE+d5naPOCqWR1SJ7Au1vl0uHS/Dbz8PnjhyPJrARrB8GsyWNf6vJ7GGoz4BGdUPvHxfIHRX/+RkVl8cujKmY3px+Jzlsc+b6udLDNbljfmjKSoumpGwOIClZZDx9eJP0wvnhb68/qrPBmf1MCzfhj9mgKIRELFKhRapYVSoJ5dQkn8AlaAqW3TS/+kiX4J4U6C9B4oRBXDcZr5RiwGouaplWbOr1daM4nlhPCu5lLO/wYgxpCmM6T3LaBpcsK2gbnGo+NeX3h/QesH03nEKzVCwXRZ1louI1nROrlD2hQL10faczgoQ/r4vXfm+nVJz9VW+o7iV8soRM5+IKVMnKLMuAcxCZrF7voj2yxp9166BzuN3b/3UbjgHHHtRfqEcgc3su7atexw9pMNFSjqt5162IHXy/AoULMLjjdoRWAxgd5Lr3hiTeI3+9H9ls/gNsNRy8wBYAAA==&quot;"/>
+    <we:property name="bookmark" value="&quot;H4sIAAAAAAAAA+2YTW/bOBCG/0qhSy/GgqS+c2vdFFhgUxiboJfCWAzJkaOuQqoUlcYb+L93KLlNGnjrokmguC3gg8UZk/M+MyRHvo503bUNrN/ABUZH0Z9G1wq0dc94NIvMOCgETwSwVDAmqyyuKqiQrLb1tTVddHQdeXAr9G/rrocmzESD75azCJpmAavwVEHT4Sxq0XXWQFP/h6MzmbzrcTOL8KptrIMw5akHj2HaS3KnZwqB/xHTiqB8fYmnqPw4qlSel0UZS8ZzqXOmWZKQWzc6DJHtdAlTD8vPrfFQG1omjKVpLhFTketcKFZkSkIWxqu68VsXuT6+ah2pI83rNsB5oS/BKNTRIMFhN0Z8HZ0gdL0bdBx/ZTi1vVP4N1aDyfjar2meE9S1hi7aEIuFs0RqGD6DK9A4P++dGUzn9uPcIfHR0RHbzPaHMbdNf2G+NwqPjbJ3Y1BN3xGAHesvaaSrzarZpvOG7NkYlgQ3PwfnQ7nI95SXQJF+ZJ1G93I9gHxVu88ZFbM7UT4GxM3ycyWRy/tbtTInWSvrxqgelNtyE0xVVui8yjhLAWSWyJgLnLq+Pnj9Rv1Pde3NrgKnp83s7fADZYLMk5I+Ceo4VRpZmcfxj0N+sVo5XIHfPh4/9NbyaAKEMPq6N1tW/AA3ekOn6L12+lSkJzsNMs0LUBnL4jgGziGPZfF0C/WEbsrzZh1SHC70n6NgqdFQ/6IeA5nbC2mfdAnvy8FkpSwVS/K0jOO84CWTSSHYPS62x8bYOivhn5tL77DrWI3F+5Tr9pvAJyta6vB1mvKCs4zFqeZaaD51N/btbv8A+rG7nfbY9pZVzAulGLCS56UUBZsa9GvwvaMXVePtmfWE8iBp71AxIqeXC4nUB2NaliUTWZln92iCHzzYBTpysQcP/UbHFjsdJqlS1NlpnbBccGT7sW/PuVqR2ke4WlZo9I/dLF1TK/rlbdjRBVLrEb5o8DCoaMelahztVg9mHEReR3/VJHyc+y00fZj2+UvoavU8QNti23n8D+7dQx3+XyiMZz/1KEKkVayQZToTMoNMTp2oV9iGII3vfvVkfUViTBhXRc4rECzPCsa4oJt7f4f5yAlbUMtlfm+tGwzLYd3NblW2910LChdgcIc6UgWUc71H4fA/8hd9m80n5W1BpMAWAAA=&quot;"/>
     <we:property name="creatorSessionId" value="&quot;4d69401d-12ce-45b8-b567-5b104d6c548a&quot;"/>
     <we:property name="creatorTenantId" value="&quot;43425ceb-4e5b-4236-91ee-8996016132fd&quot;"/>
     <we:property name="creatorUserId" value="&quot;10032004E675D2F5&quot;"/>
